--- a/SRS/SlideShow3.pptx
+++ b/SRS/SlideShow3.pptx
@@ -8,8 +8,10 @@
     <p:sldId id="256" r:id="rId2"/>
     <p:sldId id="261" r:id="rId3"/>
     <p:sldId id="262" r:id="rId4"/>
-    <p:sldId id="263" r:id="rId5"/>
-    <p:sldId id="260" r:id="rId6"/>
+    <p:sldId id="264" r:id="rId5"/>
+    <p:sldId id="263" r:id="rId6"/>
+    <p:sldId id="265" r:id="rId7"/>
+    <p:sldId id="260" r:id="rId8"/>
   </p:sldIdLst>
   <p:sldSz cx="12192000" cy="6858000"/>
   <p:notesSz cx="6858000" cy="9144000"/>
@@ -110,7 +112,7 @@
   </p:defaultTextStyle>
   <p:extLst>
     <p:ext uri="{EFAFB233-063F-42B5-8137-9DF3F51BA10A}">
-      <p15:sldGuideLst xmlns:p15="http://schemas.microsoft.com/office/powerpoint/2012/main" xmlns="">
+      <p15:sldGuideLst xmlns="" xmlns:p15="http://schemas.microsoft.com/office/powerpoint/2012/main">
         <p15:guide id="1" orient="horz" pos="2160">
           <p15:clr>
             <a:srgbClr val="A4A3A4"/>
@@ -315,7 +317,7 @@
           <a:p>
             <a:fld id="{030CC8C2-31CE-435F-A416-A5DD09A07E33}" type="datetimeFigureOut">
               <a:rPr lang="en-ZA" smtClean="0"/>
-              <a:t>2019/07/08</a:t>
+              <a:t>2019/07/12</a:t>
             </a:fld>
             <a:endParaRPr lang="en-ZA"/>
           </a:p>
@@ -653,7 +655,7 @@
           <a:p>
             <a:fld id="{030CC8C2-31CE-435F-A416-A5DD09A07E33}" type="datetimeFigureOut">
               <a:rPr lang="en-ZA" smtClean="0"/>
-              <a:t>2019/07/08</a:t>
+              <a:t>2019/07/12</a:t>
             </a:fld>
             <a:endParaRPr lang="en-ZA"/>
           </a:p>
@@ -1054,7 +1056,7 @@
           <a:p>
             <a:fld id="{030CC8C2-31CE-435F-A416-A5DD09A07E33}" type="datetimeFigureOut">
               <a:rPr lang="en-ZA" smtClean="0"/>
-              <a:t>2019/07/08</a:t>
+              <a:t>2019/07/12</a:t>
             </a:fld>
             <a:endParaRPr lang="en-ZA"/>
           </a:p>
@@ -1390,7 +1392,7 @@
           <a:p>
             <a:fld id="{030CC8C2-31CE-435F-A416-A5DD09A07E33}" type="datetimeFigureOut">
               <a:rPr lang="en-ZA" smtClean="0"/>
-              <a:t>2019/07/08</a:t>
+              <a:t>2019/07/12</a:t>
             </a:fld>
             <a:endParaRPr lang="en-ZA"/>
           </a:p>
@@ -1710,7 +1712,7 @@
           <a:p>
             <a:fld id="{030CC8C2-31CE-435F-A416-A5DD09A07E33}" type="datetimeFigureOut">
               <a:rPr lang="en-ZA" smtClean="0"/>
-              <a:t>2019/07/08</a:t>
+              <a:t>2019/07/12</a:t>
             </a:fld>
             <a:endParaRPr lang="en-ZA"/>
           </a:p>
@@ -2106,7 +2108,7 @@
           <a:p>
             <a:fld id="{030CC8C2-31CE-435F-A416-A5DD09A07E33}" type="datetimeFigureOut">
               <a:rPr lang="en-ZA" smtClean="0"/>
-              <a:t>2019/07/08</a:t>
+              <a:t>2019/07/12</a:t>
             </a:fld>
             <a:endParaRPr lang="en-ZA"/>
           </a:p>
@@ -2363,7 +2365,7 @@
           <a:p>
             <a:fld id="{030CC8C2-31CE-435F-A416-A5DD09A07E33}" type="datetimeFigureOut">
               <a:rPr lang="en-ZA" smtClean="0"/>
-              <a:t>2019/07/08</a:t>
+              <a:t>2019/07/12</a:t>
             </a:fld>
             <a:endParaRPr lang="en-ZA"/>
           </a:p>
@@ -2625,7 +2627,7 @@
           <a:p>
             <a:fld id="{030CC8C2-31CE-435F-A416-A5DD09A07E33}" type="datetimeFigureOut">
               <a:rPr lang="en-ZA" smtClean="0"/>
-              <a:t>2019/07/08</a:t>
+              <a:t>2019/07/12</a:t>
             </a:fld>
             <a:endParaRPr lang="en-ZA"/>
           </a:p>
@@ -2887,7 +2889,7 @@
           <a:p>
             <a:fld id="{030CC8C2-31CE-435F-A416-A5DD09A07E33}" type="datetimeFigureOut">
               <a:rPr lang="en-ZA" smtClean="0"/>
-              <a:t>2019/07/08</a:t>
+              <a:t>2019/07/12</a:t>
             </a:fld>
             <a:endParaRPr lang="en-ZA"/>
           </a:p>
@@ -3216,7 +3218,7 @@
           <a:p>
             <a:fld id="{030CC8C2-31CE-435F-A416-A5DD09A07E33}" type="datetimeFigureOut">
               <a:rPr lang="en-ZA" smtClean="0"/>
-              <a:t>2019/07/08</a:t>
+              <a:t>2019/07/12</a:t>
             </a:fld>
             <a:endParaRPr lang="en-ZA"/>
           </a:p>
@@ -3539,7 +3541,7 @@
           <a:p>
             <a:fld id="{030CC8C2-31CE-435F-A416-A5DD09A07E33}" type="datetimeFigureOut">
               <a:rPr lang="en-ZA" smtClean="0"/>
-              <a:t>2019/07/08</a:t>
+              <a:t>2019/07/12</a:t>
             </a:fld>
             <a:endParaRPr lang="en-ZA"/>
           </a:p>
@@ -3996,7 +3998,7 @@
           <a:p>
             <a:fld id="{030CC8C2-31CE-435F-A416-A5DD09A07E33}" type="datetimeFigureOut">
               <a:rPr lang="en-ZA" smtClean="0"/>
-              <a:t>2019/07/08</a:t>
+              <a:t>2019/07/12</a:t>
             </a:fld>
             <a:endParaRPr lang="en-ZA"/>
           </a:p>
@@ -4201,7 +4203,7 @@
           <a:p>
             <a:fld id="{030CC8C2-31CE-435F-A416-A5DD09A07E33}" type="datetimeFigureOut">
               <a:rPr lang="en-ZA" smtClean="0"/>
-              <a:t>2019/07/08</a:t>
+              <a:t>2019/07/12</a:t>
             </a:fld>
             <a:endParaRPr lang="en-ZA"/>
           </a:p>
@@ -4378,7 +4380,7 @@
           <a:p>
             <a:fld id="{030CC8C2-31CE-435F-A416-A5DD09A07E33}" type="datetimeFigureOut">
               <a:rPr lang="en-ZA" smtClean="0"/>
-              <a:t>2019/07/08</a:t>
+              <a:t>2019/07/12</a:t>
             </a:fld>
             <a:endParaRPr lang="en-ZA"/>
           </a:p>
@@ -4711,7 +4713,7 @@
           <a:p>
             <a:fld id="{030CC8C2-31CE-435F-A416-A5DD09A07E33}" type="datetimeFigureOut">
               <a:rPr lang="en-ZA" smtClean="0"/>
-              <a:t>2019/07/08</a:t>
+              <a:t>2019/07/12</a:t>
             </a:fld>
             <a:endParaRPr lang="en-ZA"/>
           </a:p>
@@ -5056,7 +5058,7 @@
           <a:p>
             <a:fld id="{030CC8C2-31CE-435F-A416-A5DD09A07E33}" type="datetimeFigureOut">
               <a:rPr lang="en-ZA" smtClean="0"/>
-              <a:t>2019/07/08</a:t>
+              <a:t>2019/07/12</a:t>
             </a:fld>
             <a:endParaRPr lang="en-ZA"/>
           </a:p>
@@ -7173,7 +7175,7 @@
           <a:p>
             <a:fld id="{030CC8C2-31CE-435F-A416-A5DD09A07E33}" type="datetimeFigureOut">
               <a:rPr lang="en-ZA" smtClean="0"/>
-              <a:t>2019/07/08</a:t>
+              <a:t>2019/07/12</a:t>
             </a:fld>
             <a:endParaRPr lang="en-ZA"/>
           </a:p>
@@ -7722,10 +7724,10 @@
           <p:cNvPr id="8" name="Rectangle 7">
             <a:extLst>
               <a:ext uri="{FF2B5EF4-FFF2-40B4-BE49-F238E27FC236}">
-                <a16:creationId xmlns:a16="http://schemas.microsoft.com/office/drawing/2014/main" xmlns="" id="{F81819F9-8CAC-4A6C-8F06-0482027F9736}"/>
+                <a16:creationId xmlns="" xmlns:a16="http://schemas.microsoft.com/office/drawing/2014/main" id="{F81819F9-8CAC-4A6C-8F06-0482027F9736}"/>
               </a:ext>
               <a:ext uri="{C183D7F6-B498-43B3-948B-1728B52AA6E4}">
-                <adec:decorative xmlns:adec="http://schemas.microsoft.com/office/drawing/2017/decorative" xmlns="" val="1"/>
+                <adec:decorative xmlns="" xmlns:adec="http://schemas.microsoft.com/office/drawing/2017/decorative" val="1"/>
               </a:ext>
             </a:extLst>
           </p:cNvPr>
@@ -7735,7 +7737,7 @@
           <p:nvPr>
             <p:extLst>
               <p:ext uri="{386F3935-93C4-4BCD-93E2-E3B085C9AB24}">
-                <p16:designElem xmlns:p16="http://schemas.microsoft.com/office/powerpoint/2015/main" xmlns="" val="1"/>
+                <p16:designElem xmlns="" xmlns:p16="http://schemas.microsoft.com/office/powerpoint/2015/main" val="1"/>
               </p:ext>
             </p:extLst>
           </p:nvPr>
@@ -7782,7 +7784,7 @@
           <p:cNvPr id="2" name="Title 1">
             <a:extLst>
               <a:ext uri="{FF2B5EF4-FFF2-40B4-BE49-F238E27FC236}">
-                <a16:creationId xmlns:a16="http://schemas.microsoft.com/office/drawing/2014/main" xmlns="" id="{ACCA312D-3828-4024-9CA0-545EE469B88F}"/>
+                <a16:creationId xmlns="" xmlns:a16="http://schemas.microsoft.com/office/drawing/2014/main" id="{ACCA312D-3828-4024-9CA0-545EE469B88F}"/>
               </a:ext>
             </a:extLst>
           </p:cNvPr>
@@ -7869,7 +7871,7 @@
           <p:cNvPr id="3" name="Subtitle 2">
             <a:extLst>
               <a:ext uri="{FF2B5EF4-FFF2-40B4-BE49-F238E27FC236}">
-                <a16:creationId xmlns:a16="http://schemas.microsoft.com/office/drawing/2014/main" xmlns="" id="{C7503EA1-3526-455A-926A-3FC10C2110C2}"/>
+                <a16:creationId xmlns="" xmlns:a16="http://schemas.microsoft.com/office/drawing/2014/main" id="{C7503EA1-3526-455A-926A-3FC10C2110C2}"/>
               </a:ext>
             </a:extLst>
           </p:cNvPr>
@@ -7907,10 +7909,10 @@
           <p:cNvPr id="10" name="Rectangle 9">
             <a:extLst>
               <a:ext uri="{FF2B5EF4-FFF2-40B4-BE49-F238E27FC236}">
-                <a16:creationId xmlns:a16="http://schemas.microsoft.com/office/drawing/2014/main" xmlns="" id="{4A98CC08-AEC2-4E8F-8F52-0F5C6372DB4F}"/>
+                <a16:creationId xmlns="" xmlns:a16="http://schemas.microsoft.com/office/drawing/2014/main" id="{4A98CC08-AEC2-4E8F-8F52-0F5C6372DB4F}"/>
               </a:ext>
               <a:ext uri="{C183D7F6-B498-43B3-948B-1728B52AA6E4}">
-                <adec:decorative xmlns:adec="http://schemas.microsoft.com/office/drawing/2017/decorative" xmlns="" val="1"/>
+                <adec:decorative xmlns="" xmlns:adec="http://schemas.microsoft.com/office/drawing/2017/decorative" val="1"/>
               </a:ext>
             </a:extLst>
           </p:cNvPr>
@@ -7920,7 +7922,7 @@
           <p:nvPr>
             <p:extLst>
               <p:ext uri="{386F3935-93C4-4BCD-93E2-E3B085C9AB24}">
-                <p16:designElem xmlns:p16="http://schemas.microsoft.com/office/powerpoint/2015/main" xmlns="" val="1"/>
+                <p16:designElem xmlns="" xmlns:p16="http://schemas.microsoft.com/office/powerpoint/2015/main" val="1"/>
               </p:ext>
             </p:extLst>
           </p:nvPr>
@@ -7970,10 +7972,10 @@
           <p:cNvPr id="12" name="Group 11">
             <a:extLst>
               <a:ext uri="{FF2B5EF4-FFF2-40B4-BE49-F238E27FC236}">
-                <a16:creationId xmlns:a16="http://schemas.microsoft.com/office/drawing/2014/main" xmlns="" id="{5D1545E6-EB3C-4478-A661-A2CA963F129C}"/>
+                <a16:creationId xmlns="" xmlns:a16="http://schemas.microsoft.com/office/drawing/2014/main" id="{5D1545E6-EB3C-4478-A661-A2CA963F129C}"/>
               </a:ext>
               <a:ext uri="{C183D7F6-B498-43B3-948B-1728B52AA6E4}">
-                <adec:decorative xmlns:adec="http://schemas.microsoft.com/office/drawing/2017/decorative" xmlns="" val="1"/>
+                <adec:decorative xmlns="" xmlns:adec="http://schemas.microsoft.com/office/drawing/2017/decorative" val="1"/>
               </a:ext>
             </a:extLst>
           </p:cNvPr>
@@ -7983,7 +7985,7 @@
           <p:nvPr>
             <p:extLst>
               <p:ext uri="{386F3935-93C4-4BCD-93E2-E3B085C9AB24}">
-                <p16:designElem xmlns:p16="http://schemas.microsoft.com/office/powerpoint/2015/main" xmlns="" val="1"/>
+                <p16:designElem xmlns="" xmlns:p16="http://schemas.microsoft.com/office/powerpoint/2015/main" val="1"/>
               </p:ext>
             </p:extLst>
           </p:nvPr>
@@ -8008,10 +8010,10 @@
             <p:cNvPr id="13" name="Freeform 11">
               <a:extLst>
                 <a:ext uri="{FF2B5EF4-FFF2-40B4-BE49-F238E27FC236}">
-                  <a16:creationId xmlns:a16="http://schemas.microsoft.com/office/drawing/2014/main" xmlns="" id="{B2E5B960-0C5D-4F77-8E9F-9F3D883D83C5}"/>
+                  <a16:creationId xmlns="" xmlns:a16="http://schemas.microsoft.com/office/drawing/2014/main" id="{B2E5B960-0C5D-4F77-8E9F-9F3D883D83C5}"/>
                 </a:ext>
                 <a:ext uri="{C183D7F6-B498-43B3-948B-1728B52AA6E4}">
-                  <adec:decorative xmlns:adec="http://schemas.microsoft.com/office/drawing/2017/decorative" xmlns="" val="1"/>
+                  <adec:decorative xmlns="" xmlns:adec="http://schemas.microsoft.com/office/drawing/2017/decorative" val="1"/>
                 </a:ext>
               </a:extLst>
             </p:cNvPr>
@@ -8019,7 +8021,7 @@
             <p:nvPr>
               <p:extLst>
                 <p:ext uri="{386F3935-93C4-4BCD-93E2-E3B085C9AB24}">
-                  <p16:designElem xmlns:p16="http://schemas.microsoft.com/office/powerpoint/2015/main" xmlns="" val="1"/>
+                  <p16:designElem xmlns="" xmlns:p16="http://schemas.microsoft.com/office/powerpoint/2015/main" val="1"/>
                 </p:ext>
               </p:extLst>
             </p:nvPr>
@@ -8080,10 +8082,10 @@
             <p:cNvPr id="14" name="Freeform 12">
               <a:extLst>
                 <a:ext uri="{FF2B5EF4-FFF2-40B4-BE49-F238E27FC236}">
-                  <a16:creationId xmlns:a16="http://schemas.microsoft.com/office/drawing/2014/main" xmlns="" id="{258E44FC-92AD-43A0-BB05-DB268C82D8B2}"/>
+                  <a16:creationId xmlns="" xmlns:a16="http://schemas.microsoft.com/office/drawing/2014/main" id="{258E44FC-92AD-43A0-BB05-DB268C82D8B2}"/>
                 </a:ext>
                 <a:ext uri="{C183D7F6-B498-43B3-948B-1728B52AA6E4}">
-                  <adec:decorative xmlns:adec="http://schemas.microsoft.com/office/drawing/2017/decorative" xmlns="" val="1"/>
+                  <adec:decorative xmlns="" xmlns:adec="http://schemas.microsoft.com/office/drawing/2017/decorative" val="1"/>
                 </a:ext>
               </a:extLst>
             </p:cNvPr>
@@ -8091,7 +8093,7 @@
             <p:nvPr>
               <p:extLst>
                 <p:ext uri="{386F3935-93C4-4BCD-93E2-E3B085C9AB24}">
-                  <p16:designElem xmlns:p16="http://schemas.microsoft.com/office/powerpoint/2015/main" xmlns="" val="1"/>
+                  <p16:designElem xmlns="" xmlns:p16="http://schemas.microsoft.com/office/powerpoint/2015/main" val="1"/>
                 </p:ext>
               </p:extLst>
             </p:nvPr>
@@ -8157,10 +8159,10 @@
             <p:cNvPr id="15" name="Freeform 13">
               <a:extLst>
                 <a:ext uri="{FF2B5EF4-FFF2-40B4-BE49-F238E27FC236}">
-                  <a16:creationId xmlns:a16="http://schemas.microsoft.com/office/drawing/2014/main" xmlns="" id="{C63D3083-A56C-4199-8DE0-63C8BE9EDFE9}"/>
+                  <a16:creationId xmlns="" xmlns:a16="http://schemas.microsoft.com/office/drawing/2014/main" id="{C63D3083-A56C-4199-8DE0-63C8BE9EDFE9}"/>
                 </a:ext>
                 <a:ext uri="{C183D7F6-B498-43B3-948B-1728B52AA6E4}">
-                  <adec:decorative xmlns:adec="http://schemas.microsoft.com/office/drawing/2017/decorative" xmlns="" val="1"/>
+                  <adec:decorative xmlns="" xmlns:adec="http://schemas.microsoft.com/office/drawing/2017/decorative" val="1"/>
                 </a:ext>
               </a:extLst>
             </p:cNvPr>
@@ -8168,7 +8170,7 @@
             <p:nvPr>
               <p:extLst>
                 <p:ext uri="{386F3935-93C4-4BCD-93E2-E3B085C9AB24}">
-                  <p16:designElem xmlns:p16="http://schemas.microsoft.com/office/powerpoint/2015/main" xmlns="" val="1"/>
+                  <p16:designElem xmlns="" xmlns:p16="http://schemas.microsoft.com/office/powerpoint/2015/main" val="1"/>
                 </p:ext>
               </p:extLst>
             </p:nvPr>
@@ -8239,10 +8241,10 @@
             <p:cNvPr id="16" name="Freeform 14">
               <a:extLst>
                 <a:ext uri="{FF2B5EF4-FFF2-40B4-BE49-F238E27FC236}">
-                  <a16:creationId xmlns:a16="http://schemas.microsoft.com/office/drawing/2014/main" xmlns="" id="{C7CD3581-635D-438F-A64F-68404E7AE0B8}"/>
+                  <a16:creationId xmlns="" xmlns:a16="http://schemas.microsoft.com/office/drawing/2014/main" id="{C7CD3581-635D-438F-A64F-68404E7AE0B8}"/>
                 </a:ext>
                 <a:ext uri="{C183D7F6-B498-43B3-948B-1728B52AA6E4}">
-                  <adec:decorative xmlns:adec="http://schemas.microsoft.com/office/drawing/2017/decorative" xmlns="" val="1"/>
+                  <adec:decorative xmlns="" xmlns:adec="http://schemas.microsoft.com/office/drawing/2017/decorative" val="1"/>
                 </a:ext>
               </a:extLst>
             </p:cNvPr>
@@ -8250,7 +8252,7 @@
             <p:nvPr>
               <p:extLst>
                 <p:ext uri="{386F3935-93C4-4BCD-93E2-E3B085C9AB24}">
-                  <p16:designElem xmlns:p16="http://schemas.microsoft.com/office/powerpoint/2015/main" xmlns="" val="1"/>
+                  <p16:designElem xmlns="" xmlns:p16="http://schemas.microsoft.com/office/powerpoint/2015/main" val="1"/>
                 </p:ext>
               </p:extLst>
             </p:nvPr>
@@ -8301,10 +8303,10 @@
             <p:cNvPr id="17" name="Freeform 15">
               <a:extLst>
                 <a:ext uri="{FF2B5EF4-FFF2-40B4-BE49-F238E27FC236}">
-                  <a16:creationId xmlns:a16="http://schemas.microsoft.com/office/drawing/2014/main" xmlns="" id="{AD6904C0-211C-41A2-BDB8-3B07C90BBB4C}"/>
+                  <a16:creationId xmlns="" xmlns:a16="http://schemas.microsoft.com/office/drawing/2014/main" id="{AD6904C0-211C-41A2-BDB8-3B07C90BBB4C}"/>
                 </a:ext>
                 <a:ext uri="{C183D7F6-B498-43B3-948B-1728B52AA6E4}">
-                  <adec:decorative xmlns:adec="http://schemas.microsoft.com/office/drawing/2017/decorative" xmlns="" val="1"/>
+                  <adec:decorative xmlns="" xmlns:adec="http://schemas.microsoft.com/office/drawing/2017/decorative" val="1"/>
                 </a:ext>
               </a:extLst>
             </p:cNvPr>
@@ -8312,7 +8314,7 @@
             <p:nvPr>
               <p:extLst>
                 <p:ext uri="{386F3935-93C4-4BCD-93E2-E3B085C9AB24}">
-                  <p16:designElem xmlns:p16="http://schemas.microsoft.com/office/powerpoint/2015/main" xmlns="" val="1"/>
+                  <p16:designElem xmlns="" xmlns:p16="http://schemas.microsoft.com/office/powerpoint/2015/main" val="1"/>
                 </p:ext>
               </p:extLst>
             </p:nvPr>
@@ -8398,10 +8400,10 @@
             <p:cNvPr id="18" name="Freeform 16">
               <a:extLst>
                 <a:ext uri="{FF2B5EF4-FFF2-40B4-BE49-F238E27FC236}">
-                  <a16:creationId xmlns:a16="http://schemas.microsoft.com/office/drawing/2014/main" xmlns="" id="{B0837DA6-CAF9-4E78-A39E-6358EDE2B108}"/>
+                  <a16:creationId xmlns="" xmlns:a16="http://schemas.microsoft.com/office/drawing/2014/main" id="{B0837DA6-CAF9-4E78-A39E-6358EDE2B108}"/>
                 </a:ext>
                 <a:ext uri="{C183D7F6-B498-43B3-948B-1728B52AA6E4}">
-                  <adec:decorative xmlns:adec="http://schemas.microsoft.com/office/drawing/2017/decorative" xmlns="" val="1"/>
+                  <adec:decorative xmlns="" xmlns:adec="http://schemas.microsoft.com/office/drawing/2017/decorative" val="1"/>
                 </a:ext>
               </a:extLst>
             </p:cNvPr>
@@ -8409,7 +8411,7 @@
             <p:nvPr>
               <p:extLst>
                 <p:ext uri="{386F3935-93C4-4BCD-93E2-E3B085C9AB24}">
-                  <p16:designElem xmlns:p16="http://schemas.microsoft.com/office/powerpoint/2015/main" xmlns="" val="1"/>
+                  <p16:designElem xmlns="" xmlns:p16="http://schemas.microsoft.com/office/powerpoint/2015/main" val="1"/>
                 </p:ext>
               </p:extLst>
             </p:nvPr>
@@ -8490,10 +8492,10 @@
             <p:cNvPr id="19" name="Freeform 17">
               <a:extLst>
                 <a:ext uri="{FF2B5EF4-FFF2-40B4-BE49-F238E27FC236}">
-                  <a16:creationId xmlns:a16="http://schemas.microsoft.com/office/drawing/2014/main" xmlns="" id="{0A99DD7D-3AB3-471E-842F-8AFEA09D07E4}"/>
+                  <a16:creationId xmlns="" xmlns:a16="http://schemas.microsoft.com/office/drawing/2014/main" id="{0A99DD7D-3AB3-471E-842F-8AFEA09D07E4}"/>
                 </a:ext>
                 <a:ext uri="{C183D7F6-B498-43B3-948B-1728B52AA6E4}">
-                  <adec:decorative xmlns:adec="http://schemas.microsoft.com/office/drawing/2017/decorative" xmlns="" val="1"/>
+                  <adec:decorative xmlns="" xmlns:adec="http://schemas.microsoft.com/office/drawing/2017/decorative" val="1"/>
                 </a:ext>
               </a:extLst>
             </p:cNvPr>
@@ -8501,7 +8503,7 @@
             <p:nvPr>
               <p:extLst>
                 <p:ext uri="{386F3935-93C4-4BCD-93E2-E3B085C9AB24}">
-                  <p16:designElem xmlns:p16="http://schemas.microsoft.com/office/powerpoint/2015/main" xmlns="" val="1"/>
+                  <p16:designElem xmlns="" xmlns:p16="http://schemas.microsoft.com/office/powerpoint/2015/main" val="1"/>
                 </p:ext>
               </p:extLst>
             </p:nvPr>
@@ -8562,10 +8564,10 @@
             <p:cNvPr id="20" name="Freeform 18">
               <a:extLst>
                 <a:ext uri="{FF2B5EF4-FFF2-40B4-BE49-F238E27FC236}">
-                  <a16:creationId xmlns:a16="http://schemas.microsoft.com/office/drawing/2014/main" xmlns="" id="{9C70B0D4-92FE-478F-86BD-93BA2C4DFCDC}"/>
+                  <a16:creationId xmlns="" xmlns:a16="http://schemas.microsoft.com/office/drawing/2014/main" id="{9C70B0D4-92FE-478F-86BD-93BA2C4DFCDC}"/>
                 </a:ext>
                 <a:ext uri="{C183D7F6-B498-43B3-948B-1728B52AA6E4}">
-                  <adec:decorative xmlns:adec="http://schemas.microsoft.com/office/drawing/2017/decorative" xmlns="" val="1"/>
+                  <adec:decorative xmlns="" xmlns:adec="http://schemas.microsoft.com/office/drawing/2017/decorative" val="1"/>
                 </a:ext>
               </a:extLst>
             </p:cNvPr>
@@ -8573,7 +8575,7 @@
             <p:nvPr>
               <p:extLst>
                 <p:ext uri="{386F3935-93C4-4BCD-93E2-E3B085C9AB24}">
-                  <p16:designElem xmlns:p16="http://schemas.microsoft.com/office/powerpoint/2015/main" xmlns="" val="1"/>
+                  <p16:designElem xmlns="" xmlns:p16="http://schemas.microsoft.com/office/powerpoint/2015/main" val="1"/>
                 </p:ext>
               </p:extLst>
             </p:nvPr>
@@ -8654,10 +8656,10 @@
             <p:cNvPr id="21" name="Freeform 19">
               <a:extLst>
                 <a:ext uri="{FF2B5EF4-FFF2-40B4-BE49-F238E27FC236}">
-                  <a16:creationId xmlns:a16="http://schemas.microsoft.com/office/drawing/2014/main" xmlns="" id="{C9156BE6-11D4-4696-9E3F-C325BFAC8196}"/>
+                  <a16:creationId xmlns="" xmlns:a16="http://schemas.microsoft.com/office/drawing/2014/main" id="{C9156BE6-11D4-4696-9E3F-C325BFAC8196}"/>
                 </a:ext>
                 <a:ext uri="{C183D7F6-B498-43B3-948B-1728B52AA6E4}">
-                  <adec:decorative xmlns:adec="http://schemas.microsoft.com/office/drawing/2017/decorative" xmlns="" val="1"/>
+                  <adec:decorative xmlns="" xmlns:adec="http://schemas.microsoft.com/office/drawing/2017/decorative" val="1"/>
                 </a:ext>
               </a:extLst>
             </p:cNvPr>
@@ -8665,7 +8667,7 @@
             <p:nvPr>
               <p:extLst>
                 <p:ext uri="{386F3935-93C4-4BCD-93E2-E3B085C9AB24}">
-                  <p16:designElem xmlns:p16="http://schemas.microsoft.com/office/powerpoint/2015/main" xmlns="" val="1"/>
+                  <p16:designElem xmlns="" xmlns:p16="http://schemas.microsoft.com/office/powerpoint/2015/main" val="1"/>
                 </p:ext>
               </p:extLst>
             </p:nvPr>
@@ -8781,10 +8783,10 @@
             <p:cNvPr id="22" name="Freeform 20">
               <a:extLst>
                 <a:ext uri="{FF2B5EF4-FFF2-40B4-BE49-F238E27FC236}">
-                  <a16:creationId xmlns:a16="http://schemas.microsoft.com/office/drawing/2014/main" xmlns="" id="{4E667226-1D20-4A9D-BBE3-AC17EA436F05}"/>
+                  <a16:creationId xmlns="" xmlns:a16="http://schemas.microsoft.com/office/drawing/2014/main" id="{4E667226-1D20-4A9D-BBE3-AC17EA436F05}"/>
                 </a:ext>
                 <a:ext uri="{C183D7F6-B498-43B3-948B-1728B52AA6E4}">
-                  <adec:decorative xmlns:adec="http://schemas.microsoft.com/office/drawing/2017/decorative" xmlns="" val="1"/>
+                  <adec:decorative xmlns="" xmlns:adec="http://schemas.microsoft.com/office/drawing/2017/decorative" val="1"/>
                 </a:ext>
               </a:extLst>
             </p:cNvPr>
@@ -8792,7 +8794,7 @@
             <p:nvPr>
               <p:extLst>
                 <p:ext uri="{386F3935-93C4-4BCD-93E2-E3B085C9AB24}">
-                  <p16:designElem xmlns:p16="http://schemas.microsoft.com/office/powerpoint/2015/main" xmlns="" val="1"/>
+                  <p16:designElem xmlns="" xmlns:p16="http://schemas.microsoft.com/office/powerpoint/2015/main" val="1"/>
                 </p:ext>
               </p:extLst>
             </p:nvPr>
@@ -8843,10 +8845,10 @@
             <p:cNvPr id="23" name="Freeform 21">
               <a:extLst>
                 <a:ext uri="{FF2B5EF4-FFF2-40B4-BE49-F238E27FC236}">
-                  <a16:creationId xmlns:a16="http://schemas.microsoft.com/office/drawing/2014/main" xmlns="" id="{2F87E3B6-5202-4434-9B26-42B46774F327}"/>
+                  <a16:creationId xmlns="" xmlns:a16="http://schemas.microsoft.com/office/drawing/2014/main" id="{2F87E3B6-5202-4434-9B26-42B46774F327}"/>
                 </a:ext>
                 <a:ext uri="{C183D7F6-B498-43B3-948B-1728B52AA6E4}">
-                  <adec:decorative xmlns:adec="http://schemas.microsoft.com/office/drawing/2017/decorative" xmlns="" val="1"/>
+                  <adec:decorative xmlns="" xmlns:adec="http://schemas.microsoft.com/office/drawing/2017/decorative" val="1"/>
                 </a:ext>
               </a:extLst>
             </p:cNvPr>
@@ -8854,7 +8856,7 @@
             <p:nvPr>
               <p:extLst>
                 <p:ext uri="{386F3935-93C4-4BCD-93E2-E3B085C9AB24}">
-                  <p16:designElem xmlns:p16="http://schemas.microsoft.com/office/powerpoint/2015/main" xmlns="" val="1"/>
+                  <p16:designElem xmlns="" xmlns:p16="http://schemas.microsoft.com/office/powerpoint/2015/main" val="1"/>
                 </p:ext>
               </p:extLst>
             </p:nvPr>
@@ -8915,10 +8917,10 @@
             <p:cNvPr id="24" name="Freeform 22">
               <a:extLst>
                 <a:ext uri="{FF2B5EF4-FFF2-40B4-BE49-F238E27FC236}">
-                  <a16:creationId xmlns:a16="http://schemas.microsoft.com/office/drawing/2014/main" xmlns="" id="{AEA5E85F-F1F4-40E4-A62C-95324F674929}"/>
+                  <a16:creationId xmlns="" xmlns:a16="http://schemas.microsoft.com/office/drawing/2014/main" id="{AEA5E85F-F1F4-40E4-A62C-95324F674929}"/>
                 </a:ext>
                 <a:ext uri="{C183D7F6-B498-43B3-948B-1728B52AA6E4}">
-                  <adec:decorative xmlns:adec="http://schemas.microsoft.com/office/drawing/2017/decorative" xmlns="" val="1"/>
+                  <adec:decorative xmlns="" xmlns:adec="http://schemas.microsoft.com/office/drawing/2017/decorative" val="1"/>
                 </a:ext>
               </a:extLst>
             </p:cNvPr>
@@ -8926,7 +8928,7 @@
             <p:nvPr>
               <p:extLst>
                 <p:ext uri="{386F3935-93C4-4BCD-93E2-E3B085C9AB24}">
-                  <p16:designElem xmlns:p16="http://schemas.microsoft.com/office/powerpoint/2015/main" xmlns="" val="1"/>
+                  <p16:designElem xmlns="" xmlns:p16="http://schemas.microsoft.com/office/powerpoint/2015/main" val="1"/>
                 </p:ext>
               </p:extLst>
             </p:nvPr>
@@ -8998,10 +9000,10 @@
           <p:cNvPr id="26" name="Group 25">
             <a:extLst>
               <a:ext uri="{FF2B5EF4-FFF2-40B4-BE49-F238E27FC236}">
-                <a16:creationId xmlns:a16="http://schemas.microsoft.com/office/drawing/2014/main" xmlns="" id="{40A75861-F6C5-44A9-B161-B03701CBDE0C}"/>
+                <a16:creationId xmlns="" xmlns:a16="http://schemas.microsoft.com/office/drawing/2014/main" id="{40A75861-F6C5-44A9-B161-B03701CBDE0C}"/>
               </a:ext>
               <a:ext uri="{C183D7F6-B498-43B3-948B-1728B52AA6E4}">
-                <adec:decorative xmlns:adec="http://schemas.microsoft.com/office/drawing/2017/decorative" xmlns="" val="1"/>
+                <adec:decorative xmlns="" xmlns:adec="http://schemas.microsoft.com/office/drawing/2017/decorative" val="1"/>
               </a:ext>
             </a:extLst>
           </p:cNvPr>
@@ -9011,7 +9013,7 @@
           <p:nvPr>
             <p:extLst>
               <p:ext uri="{386F3935-93C4-4BCD-93E2-E3B085C9AB24}">
-                <p16:designElem xmlns:p16="http://schemas.microsoft.com/office/powerpoint/2015/main" xmlns="" val="1"/>
+                <p16:designElem xmlns="" xmlns:p16="http://schemas.microsoft.com/office/powerpoint/2015/main" val="1"/>
               </p:ext>
             </p:extLst>
           </p:nvPr>
@@ -9035,10 +9037,10 @@
             <p:cNvPr id="27" name="Freeform 27">
               <a:extLst>
                 <a:ext uri="{FF2B5EF4-FFF2-40B4-BE49-F238E27FC236}">
-                  <a16:creationId xmlns:a16="http://schemas.microsoft.com/office/drawing/2014/main" xmlns="" id="{72EE642D-4F69-47C0-99BA-CE435035735F}"/>
+                  <a16:creationId xmlns="" xmlns:a16="http://schemas.microsoft.com/office/drawing/2014/main" id="{72EE642D-4F69-47C0-99BA-CE435035735F}"/>
                 </a:ext>
                 <a:ext uri="{C183D7F6-B498-43B3-948B-1728B52AA6E4}">
-                  <adec:decorative xmlns:adec="http://schemas.microsoft.com/office/drawing/2017/decorative" xmlns="" val="1"/>
+                  <adec:decorative xmlns="" xmlns:adec="http://schemas.microsoft.com/office/drawing/2017/decorative" val="1"/>
                 </a:ext>
               </a:extLst>
             </p:cNvPr>
@@ -9046,7 +9048,7 @@
             <p:nvPr>
               <p:extLst>
                 <p:ext uri="{386F3935-93C4-4BCD-93E2-E3B085C9AB24}">
-                  <p16:designElem xmlns:p16="http://schemas.microsoft.com/office/powerpoint/2015/main" xmlns="" val="1"/>
+                  <p16:designElem xmlns="" xmlns:p16="http://schemas.microsoft.com/office/powerpoint/2015/main" val="1"/>
                 </p:ext>
               </p:extLst>
             </p:nvPr>
@@ -9152,10 +9154,10 @@
             <p:cNvPr id="28" name="Freeform 28">
               <a:extLst>
                 <a:ext uri="{FF2B5EF4-FFF2-40B4-BE49-F238E27FC236}">
-                  <a16:creationId xmlns:a16="http://schemas.microsoft.com/office/drawing/2014/main" xmlns="" id="{26178CE4-DA2D-46EA-AB8D-341C5AC563D6}"/>
+                  <a16:creationId xmlns="" xmlns:a16="http://schemas.microsoft.com/office/drawing/2014/main" id="{26178CE4-DA2D-46EA-AB8D-341C5AC563D6}"/>
                 </a:ext>
                 <a:ext uri="{C183D7F6-B498-43B3-948B-1728B52AA6E4}">
-                  <adec:decorative xmlns:adec="http://schemas.microsoft.com/office/drawing/2017/decorative" xmlns="" val="1"/>
+                  <adec:decorative xmlns="" xmlns:adec="http://schemas.microsoft.com/office/drawing/2017/decorative" val="1"/>
                 </a:ext>
               </a:extLst>
             </p:cNvPr>
@@ -9163,7 +9165,7 @@
             <p:nvPr>
               <p:extLst>
                 <p:ext uri="{386F3935-93C4-4BCD-93E2-E3B085C9AB24}">
-                  <p16:designElem xmlns:p16="http://schemas.microsoft.com/office/powerpoint/2015/main" xmlns="" val="1"/>
+                  <p16:designElem xmlns="" xmlns:p16="http://schemas.microsoft.com/office/powerpoint/2015/main" val="1"/>
                 </p:ext>
               </p:extLst>
             </p:nvPr>
@@ -9234,10 +9236,10 @@
             <p:cNvPr id="29" name="Freeform 29">
               <a:extLst>
                 <a:ext uri="{FF2B5EF4-FFF2-40B4-BE49-F238E27FC236}">
-                  <a16:creationId xmlns:a16="http://schemas.microsoft.com/office/drawing/2014/main" xmlns="" id="{698E9F53-8381-4FA5-A510-846925D242CF}"/>
+                  <a16:creationId xmlns="" xmlns:a16="http://schemas.microsoft.com/office/drawing/2014/main" id="{698E9F53-8381-4FA5-A510-846925D242CF}"/>
                 </a:ext>
                 <a:ext uri="{C183D7F6-B498-43B3-948B-1728B52AA6E4}">
-                  <adec:decorative xmlns:adec="http://schemas.microsoft.com/office/drawing/2017/decorative" xmlns="" val="1"/>
+                  <adec:decorative xmlns="" xmlns:adec="http://schemas.microsoft.com/office/drawing/2017/decorative" val="1"/>
                 </a:ext>
               </a:extLst>
             </p:cNvPr>
@@ -9245,7 +9247,7 @@
             <p:nvPr>
               <p:extLst>
                 <p:ext uri="{386F3935-93C4-4BCD-93E2-E3B085C9AB24}">
-                  <p16:designElem xmlns:p16="http://schemas.microsoft.com/office/powerpoint/2015/main" xmlns="" val="1"/>
+                  <p16:designElem xmlns="" xmlns:p16="http://schemas.microsoft.com/office/powerpoint/2015/main" val="1"/>
                 </p:ext>
               </p:extLst>
             </p:nvPr>
@@ -9316,10 +9318,10 @@
             <p:cNvPr id="30" name="Freeform 30">
               <a:extLst>
                 <a:ext uri="{FF2B5EF4-FFF2-40B4-BE49-F238E27FC236}">
-                  <a16:creationId xmlns:a16="http://schemas.microsoft.com/office/drawing/2014/main" xmlns="" id="{B13CE284-F21E-411B-BB8E-9C03B853CE44}"/>
+                  <a16:creationId xmlns="" xmlns:a16="http://schemas.microsoft.com/office/drawing/2014/main" id="{B13CE284-F21E-411B-BB8E-9C03B853CE44}"/>
                 </a:ext>
                 <a:ext uri="{C183D7F6-B498-43B3-948B-1728B52AA6E4}">
-                  <adec:decorative xmlns:adec="http://schemas.microsoft.com/office/drawing/2017/decorative" xmlns="" val="1"/>
+                  <adec:decorative xmlns="" xmlns:adec="http://schemas.microsoft.com/office/drawing/2017/decorative" val="1"/>
                 </a:ext>
               </a:extLst>
             </p:cNvPr>
@@ -9327,7 +9329,7 @@
             <p:nvPr>
               <p:extLst>
                 <p:ext uri="{386F3935-93C4-4BCD-93E2-E3B085C9AB24}">
-                  <p16:designElem xmlns:p16="http://schemas.microsoft.com/office/powerpoint/2015/main" xmlns="" val="1"/>
+                  <p16:designElem xmlns="" xmlns:p16="http://schemas.microsoft.com/office/powerpoint/2015/main" val="1"/>
                 </p:ext>
               </p:extLst>
             </p:nvPr>
@@ -9413,10 +9415,10 @@
             <p:cNvPr id="31" name="Freeform 31">
               <a:extLst>
                 <a:ext uri="{FF2B5EF4-FFF2-40B4-BE49-F238E27FC236}">
-                  <a16:creationId xmlns:a16="http://schemas.microsoft.com/office/drawing/2014/main" xmlns="" id="{23DF4578-4703-437C-A797-2A2D0CEE5F45}"/>
+                  <a16:creationId xmlns="" xmlns:a16="http://schemas.microsoft.com/office/drawing/2014/main" id="{23DF4578-4703-437C-A797-2A2D0CEE5F45}"/>
                 </a:ext>
                 <a:ext uri="{C183D7F6-B498-43B3-948B-1728B52AA6E4}">
-                  <adec:decorative xmlns:adec="http://schemas.microsoft.com/office/drawing/2017/decorative" xmlns="" val="1"/>
+                  <adec:decorative xmlns="" xmlns:adec="http://schemas.microsoft.com/office/drawing/2017/decorative" val="1"/>
                 </a:ext>
               </a:extLst>
             </p:cNvPr>
@@ -9424,7 +9426,7 @@
             <p:nvPr>
               <p:extLst>
                 <p:ext uri="{386F3935-93C4-4BCD-93E2-E3B085C9AB24}">
-                  <p16:designElem xmlns:p16="http://schemas.microsoft.com/office/powerpoint/2015/main" xmlns="" val="1"/>
+                  <p16:designElem xmlns="" xmlns:p16="http://schemas.microsoft.com/office/powerpoint/2015/main" val="1"/>
                 </p:ext>
               </p:extLst>
             </p:nvPr>
@@ -9520,10 +9522,10 @@
             <p:cNvPr id="32" name="Freeform 32">
               <a:extLst>
                 <a:ext uri="{FF2B5EF4-FFF2-40B4-BE49-F238E27FC236}">
-                  <a16:creationId xmlns:a16="http://schemas.microsoft.com/office/drawing/2014/main" xmlns="" id="{F878F330-AF64-4F8F-88FD-A4A408D6D368}"/>
+                  <a16:creationId xmlns="" xmlns:a16="http://schemas.microsoft.com/office/drawing/2014/main" id="{F878F330-AF64-4F8F-88FD-A4A408D6D368}"/>
                 </a:ext>
                 <a:ext uri="{C183D7F6-B498-43B3-948B-1728B52AA6E4}">
-                  <adec:decorative xmlns:adec="http://schemas.microsoft.com/office/drawing/2017/decorative" xmlns="" val="1"/>
+                  <adec:decorative xmlns="" xmlns:adec="http://schemas.microsoft.com/office/drawing/2017/decorative" val="1"/>
                 </a:ext>
               </a:extLst>
             </p:cNvPr>
@@ -9531,7 +9533,7 @@
             <p:nvPr>
               <p:extLst>
                 <p:ext uri="{386F3935-93C4-4BCD-93E2-E3B085C9AB24}">
-                  <p16:designElem xmlns:p16="http://schemas.microsoft.com/office/powerpoint/2015/main" xmlns="" val="1"/>
+                  <p16:designElem xmlns="" xmlns:p16="http://schemas.microsoft.com/office/powerpoint/2015/main" val="1"/>
                 </p:ext>
               </p:extLst>
             </p:nvPr>
@@ -9582,10 +9584,10 @@
             <p:cNvPr id="33" name="Freeform 33">
               <a:extLst>
                 <a:ext uri="{FF2B5EF4-FFF2-40B4-BE49-F238E27FC236}">
-                  <a16:creationId xmlns:a16="http://schemas.microsoft.com/office/drawing/2014/main" xmlns="" id="{AC9B00BF-4FB7-42FA-BBBD-7DB54ED3F061}"/>
+                  <a16:creationId xmlns="" xmlns:a16="http://schemas.microsoft.com/office/drawing/2014/main" id="{AC9B00BF-4FB7-42FA-BBBD-7DB54ED3F061}"/>
                 </a:ext>
                 <a:ext uri="{C183D7F6-B498-43B3-948B-1728B52AA6E4}">
-                  <adec:decorative xmlns:adec="http://schemas.microsoft.com/office/drawing/2017/decorative" xmlns="" val="1"/>
+                  <adec:decorative xmlns="" xmlns:adec="http://schemas.microsoft.com/office/drawing/2017/decorative" val="1"/>
                 </a:ext>
               </a:extLst>
             </p:cNvPr>
@@ -9593,7 +9595,7 @@
             <p:nvPr>
               <p:extLst>
                 <p:ext uri="{386F3935-93C4-4BCD-93E2-E3B085C9AB24}">
-                  <p16:designElem xmlns:p16="http://schemas.microsoft.com/office/powerpoint/2015/main" xmlns="" val="1"/>
+                  <p16:designElem xmlns="" xmlns:p16="http://schemas.microsoft.com/office/powerpoint/2015/main" val="1"/>
                 </p:ext>
               </p:extLst>
             </p:nvPr>
@@ -9659,10 +9661,10 @@
             <p:cNvPr id="34" name="Freeform 34">
               <a:extLst>
                 <a:ext uri="{FF2B5EF4-FFF2-40B4-BE49-F238E27FC236}">
-                  <a16:creationId xmlns:a16="http://schemas.microsoft.com/office/drawing/2014/main" xmlns="" id="{BD3D64CA-2AAD-4609-8DAA-3EAD4609A6B1}"/>
+                  <a16:creationId xmlns="" xmlns:a16="http://schemas.microsoft.com/office/drawing/2014/main" id="{BD3D64CA-2AAD-4609-8DAA-3EAD4609A6B1}"/>
                 </a:ext>
                 <a:ext uri="{C183D7F6-B498-43B3-948B-1728B52AA6E4}">
-                  <adec:decorative xmlns:adec="http://schemas.microsoft.com/office/drawing/2017/decorative" xmlns="" val="1"/>
+                  <adec:decorative xmlns="" xmlns:adec="http://schemas.microsoft.com/office/drawing/2017/decorative" val="1"/>
                 </a:ext>
               </a:extLst>
             </p:cNvPr>
@@ -9670,7 +9672,7 @@
             <p:nvPr>
               <p:extLst>
                 <p:ext uri="{386F3935-93C4-4BCD-93E2-E3B085C9AB24}">
-                  <p16:designElem xmlns:p16="http://schemas.microsoft.com/office/powerpoint/2015/main" xmlns="" val="1"/>
+                  <p16:designElem xmlns="" xmlns:p16="http://schemas.microsoft.com/office/powerpoint/2015/main" val="1"/>
                 </p:ext>
               </p:extLst>
             </p:nvPr>
@@ -9781,10 +9783,10 @@
             <p:cNvPr id="35" name="Freeform 35">
               <a:extLst>
                 <a:ext uri="{FF2B5EF4-FFF2-40B4-BE49-F238E27FC236}">
-                  <a16:creationId xmlns:a16="http://schemas.microsoft.com/office/drawing/2014/main" xmlns="" id="{C669E05A-8550-4E91-B29E-E1912228EC93}"/>
+                  <a16:creationId xmlns="" xmlns:a16="http://schemas.microsoft.com/office/drawing/2014/main" id="{C669E05A-8550-4E91-B29E-E1912228EC93}"/>
                 </a:ext>
                 <a:ext uri="{C183D7F6-B498-43B3-948B-1728B52AA6E4}">
-                  <adec:decorative xmlns:adec="http://schemas.microsoft.com/office/drawing/2017/decorative" xmlns="" val="1"/>
+                  <adec:decorative xmlns="" xmlns:adec="http://schemas.microsoft.com/office/drawing/2017/decorative" val="1"/>
                 </a:ext>
               </a:extLst>
             </p:cNvPr>
@@ -9792,7 +9794,7 @@
             <p:nvPr>
               <p:extLst>
                 <p:ext uri="{386F3935-93C4-4BCD-93E2-E3B085C9AB24}">
-                  <p16:designElem xmlns:p16="http://schemas.microsoft.com/office/powerpoint/2015/main" xmlns="" val="1"/>
+                  <p16:designElem xmlns="" xmlns:p16="http://schemas.microsoft.com/office/powerpoint/2015/main" val="1"/>
                 </p:ext>
               </p:extLst>
             </p:nvPr>
@@ -9843,10 +9845,10 @@
             <p:cNvPr id="36" name="Freeform 36">
               <a:extLst>
                 <a:ext uri="{FF2B5EF4-FFF2-40B4-BE49-F238E27FC236}">
-                  <a16:creationId xmlns:a16="http://schemas.microsoft.com/office/drawing/2014/main" xmlns="" id="{F8C1FD53-1E8F-46CA-BC2D-FCEC4DAE07F6}"/>
+                  <a16:creationId xmlns="" xmlns:a16="http://schemas.microsoft.com/office/drawing/2014/main" id="{F8C1FD53-1E8F-46CA-BC2D-FCEC4DAE07F6}"/>
                 </a:ext>
                 <a:ext uri="{C183D7F6-B498-43B3-948B-1728B52AA6E4}">
-                  <adec:decorative xmlns:adec="http://schemas.microsoft.com/office/drawing/2017/decorative" xmlns="" val="1"/>
+                  <adec:decorative xmlns="" xmlns:adec="http://schemas.microsoft.com/office/drawing/2017/decorative" val="1"/>
                 </a:ext>
               </a:extLst>
             </p:cNvPr>
@@ -9854,7 +9856,7 @@
             <p:nvPr>
               <p:extLst>
                 <p:ext uri="{386F3935-93C4-4BCD-93E2-E3B085C9AB24}">
-                  <p16:designElem xmlns:p16="http://schemas.microsoft.com/office/powerpoint/2015/main" xmlns="" val="1"/>
+                  <p16:designElem xmlns="" xmlns:p16="http://schemas.microsoft.com/office/powerpoint/2015/main" val="1"/>
                 </p:ext>
               </p:extLst>
             </p:nvPr>
@@ -9925,10 +9927,10 @@
             <p:cNvPr id="37" name="Freeform 37">
               <a:extLst>
                 <a:ext uri="{FF2B5EF4-FFF2-40B4-BE49-F238E27FC236}">
-                  <a16:creationId xmlns:a16="http://schemas.microsoft.com/office/drawing/2014/main" xmlns="" id="{CC97A31F-CFDE-4EA3-98F1-13FDD16702E1}"/>
+                  <a16:creationId xmlns="" xmlns:a16="http://schemas.microsoft.com/office/drawing/2014/main" id="{CC97A31F-CFDE-4EA3-98F1-13FDD16702E1}"/>
                 </a:ext>
                 <a:ext uri="{C183D7F6-B498-43B3-948B-1728B52AA6E4}">
-                  <adec:decorative xmlns:adec="http://schemas.microsoft.com/office/drawing/2017/decorative" xmlns="" val="1"/>
+                  <adec:decorative xmlns="" xmlns:adec="http://schemas.microsoft.com/office/drawing/2017/decorative" val="1"/>
                 </a:ext>
               </a:extLst>
             </p:cNvPr>
@@ -9936,7 +9938,7 @@
             <p:nvPr>
               <p:extLst>
                 <p:ext uri="{386F3935-93C4-4BCD-93E2-E3B085C9AB24}">
-                  <p16:designElem xmlns:p16="http://schemas.microsoft.com/office/powerpoint/2015/main" xmlns="" val="1"/>
+                  <p16:designElem xmlns="" xmlns:p16="http://schemas.microsoft.com/office/powerpoint/2015/main" val="1"/>
                 </p:ext>
               </p:extLst>
             </p:nvPr>
@@ -10002,10 +10004,10 @@
             <p:cNvPr id="38" name="Freeform 38">
               <a:extLst>
                 <a:ext uri="{FF2B5EF4-FFF2-40B4-BE49-F238E27FC236}">
-                  <a16:creationId xmlns:a16="http://schemas.microsoft.com/office/drawing/2014/main" xmlns="" id="{9E1540E7-E6C3-4907-B70A-B17568365597}"/>
+                  <a16:creationId xmlns="" xmlns:a16="http://schemas.microsoft.com/office/drawing/2014/main" id="{9E1540E7-E6C3-4907-B70A-B17568365597}"/>
                 </a:ext>
                 <a:ext uri="{C183D7F6-B498-43B3-948B-1728B52AA6E4}">
-                  <adec:decorative xmlns:adec="http://schemas.microsoft.com/office/drawing/2017/decorative" xmlns="" val="1"/>
+                  <adec:decorative xmlns="" xmlns:adec="http://schemas.microsoft.com/office/drawing/2017/decorative" val="1"/>
                 </a:ext>
               </a:extLst>
             </p:cNvPr>
@@ -10013,7 +10015,7 @@
             <p:nvPr>
               <p:extLst>
                 <p:ext uri="{386F3935-93C4-4BCD-93E2-E3B085C9AB24}">
-                  <p16:designElem xmlns:p16="http://schemas.microsoft.com/office/powerpoint/2015/main" xmlns="" val="1"/>
+                  <p16:designElem xmlns="" xmlns:p16="http://schemas.microsoft.com/office/powerpoint/2015/main" val="1"/>
                 </p:ext>
               </p:extLst>
             </p:nvPr>
@@ -10085,10 +10087,10 @@
           <p:cNvPr id="40" name="Freeform 11">
             <a:extLst>
               <a:ext uri="{FF2B5EF4-FFF2-40B4-BE49-F238E27FC236}">
-                <a16:creationId xmlns:a16="http://schemas.microsoft.com/office/drawing/2014/main" xmlns="" id="{1310EFE2-B91D-47E7-B117-C2A802800A7C}"/>
+                <a16:creationId xmlns="" xmlns:a16="http://schemas.microsoft.com/office/drawing/2014/main" id="{1310EFE2-B91D-47E7-B117-C2A802800A7C}"/>
               </a:ext>
               <a:ext uri="{C183D7F6-B498-43B3-948B-1728B52AA6E4}">
-                <adec:decorative xmlns:adec="http://schemas.microsoft.com/office/drawing/2017/decorative" xmlns="" val="1"/>
+                <adec:decorative xmlns="" xmlns:adec="http://schemas.microsoft.com/office/drawing/2017/decorative" val="1"/>
               </a:ext>
             </a:extLst>
           </p:cNvPr>
@@ -10098,7 +10100,7 @@
           <p:nvPr>
             <p:extLst>
               <p:ext uri="{386F3935-93C4-4BCD-93E2-E3B085C9AB24}">
-                <p16:designElem xmlns:p16="http://schemas.microsoft.com/office/powerpoint/2015/main" xmlns="" val="1"/>
+                <p16:designElem xmlns="" xmlns:p16="http://schemas.microsoft.com/office/powerpoint/2015/main" val="1"/>
               </p:ext>
             </p:extLst>
           </p:nvPr>
@@ -10352,7 +10354,6 @@
               <a:rPr lang="en-US" sz="3200" b="1" dirty="0"/>
               <a:t>Roles</a:t>
             </a:r>
-            <a:endParaRPr lang="en-US" sz="3200" b="1" dirty="0"/>
           </a:p>
         </p:txBody>
       </p:sp>
@@ -10574,15 +10575,7 @@
                   <a:schemeClr val="dk1"/>
                 </a:solidFill>
               </a:rPr>
-              <a:t>real time </a:t>
-            </a:r>
-            <a:r>
-              <a:rPr lang="en-US" dirty="0">
-                <a:solidFill>
-                  <a:schemeClr val="dk1"/>
-                </a:solidFill>
-              </a:rPr>
-              <a:t>log</a:t>
+              <a:t>real time log</a:t>
             </a:r>
             <a:r>
               <a:rPr lang="en-US" dirty="0" smtClean="0"/>
@@ -10750,12 +10743,181 @@
             <p:ph idx="1"/>
           </p:nvPr>
         </p:nvSpPr>
-        <p:spPr/>
+        <p:spPr>
+          <a:xfrm>
+            <a:off x="2589212" y="2133600"/>
+            <a:ext cx="8915400" cy="4315326"/>
+          </a:xfrm>
+        </p:spPr>
         <p:txBody>
-          <a:bodyPr/>
+          <a:bodyPr>
+            <a:normAutofit/>
+          </a:bodyPr>
           <a:lstStyle/>
           <a:p>
-            <a:endParaRPr lang="en-US"/>
+            <a:r>
+              <a:rPr lang="en-US" sz="1900" dirty="0" smtClean="0">
+                <a:solidFill>
+                  <a:schemeClr val="dk1"/>
+                </a:solidFill>
+              </a:rPr>
+              <a:t>Dynamically adding/removing </a:t>
+            </a:r>
+            <a:r>
+              <a:rPr lang="en-US" sz="1900" dirty="0">
+                <a:solidFill>
+                  <a:schemeClr val="dk1"/>
+                </a:solidFill>
+              </a:rPr>
+              <a:t>back-ends</a:t>
+            </a:r>
+          </a:p>
+          <a:p>
+            <a:r>
+              <a:rPr lang="en-US" sz="1900" dirty="0">
+                <a:solidFill>
+                  <a:schemeClr val="dk1"/>
+                </a:solidFill>
+              </a:rPr>
+              <a:t>Multiple load-balancing </a:t>
+            </a:r>
+            <a:r>
+              <a:rPr lang="en-US" sz="1900" dirty="0">
+                <a:solidFill>
+                  <a:schemeClr val="dk1"/>
+                </a:solidFill>
+              </a:rPr>
+              <a:t>algorithms</a:t>
+            </a:r>
+          </a:p>
+          <a:p>
+            <a:r>
+              <a:rPr lang="en-US" sz="1900" dirty="0">
+                <a:solidFill>
+                  <a:schemeClr val="dk1"/>
+                </a:solidFill>
+              </a:rPr>
+              <a:t>Direct Server </a:t>
+            </a:r>
+            <a:r>
+              <a:rPr lang="en-US" sz="1900" dirty="0">
+                <a:solidFill>
+                  <a:schemeClr val="dk1"/>
+                </a:solidFill>
+              </a:rPr>
+              <a:t>Return</a:t>
+            </a:r>
+          </a:p>
+          <a:p>
+            <a:r>
+              <a:rPr lang="en-US" sz="1900" dirty="0">
+                <a:solidFill>
+                  <a:schemeClr val="dk1"/>
+                </a:solidFill>
+              </a:rPr>
+              <a:t>Auto drop packets from offending </a:t>
+            </a:r>
+            <a:r>
+              <a:rPr lang="en-US" sz="1900" dirty="0" err="1" smtClean="0">
+                <a:solidFill>
+                  <a:schemeClr val="dk1"/>
+                </a:solidFill>
+              </a:rPr>
+              <a:t>ips</a:t>
+            </a:r>
+            <a:endParaRPr lang="en-US" sz="1900" dirty="0">
+              <a:solidFill>
+                <a:schemeClr val="dk1"/>
+              </a:solidFill>
+            </a:endParaRPr>
+          </a:p>
+          <a:p>
+            <a:r>
+              <a:rPr lang="en-US" sz="1900" dirty="0">
+                <a:solidFill>
+                  <a:schemeClr val="dk1"/>
+                </a:solidFill>
+              </a:rPr>
+              <a:t>Allow </a:t>
+            </a:r>
+            <a:r>
+              <a:rPr lang="en-US" sz="1900" dirty="0" err="1">
+                <a:solidFill>
+                  <a:schemeClr val="dk1"/>
+                </a:solidFill>
+              </a:rPr>
+              <a:t>ip</a:t>
+            </a:r>
+            <a:r>
+              <a:rPr lang="en-US" sz="1900" dirty="0">
+                <a:solidFill>
+                  <a:schemeClr val="dk1"/>
+                </a:solidFill>
+              </a:rPr>
+              <a:t> after a timeout </a:t>
+            </a:r>
+            <a:r>
+              <a:rPr lang="en-US" sz="1900" dirty="0">
+                <a:solidFill>
+                  <a:schemeClr val="dk1"/>
+                </a:solidFill>
+              </a:rPr>
+              <a:t>period</a:t>
+            </a:r>
+          </a:p>
+          <a:p>
+            <a:r>
+              <a:rPr lang="en-US" sz="1900" dirty="0">
+                <a:solidFill>
+                  <a:schemeClr val="dk1"/>
+                </a:solidFill>
+              </a:rPr>
+              <a:t>Metrics with </a:t>
+            </a:r>
+            <a:r>
+              <a:rPr lang="en-US" sz="1900" dirty="0" smtClean="0">
+                <a:solidFill>
+                  <a:schemeClr val="dk1"/>
+                </a:solidFill>
+              </a:rPr>
+              <a:t>Prometheus</a:t>
+            </a:r>
+          </a:p>
+          <a:p>
+            <a:r>
+              <a:rPr lang="en-US" sz="1900" dirty="0" smtClean="0">
+                <a:solidFill>
+                  <a:schemeClr val="dk1"/>
+                </a:solidFill>
+              </a:rPr>
+              <a:t>Modern </a:t>
+            </a:r>
+            <a:r>
+              <a:rPr lang="en-US" sz="1900" dirty="0">
+                <a:solidFill>
+                  <a:schemeClr val="dk1"/>
+                </a:solidFill>
+              </a:rPr>
+              <a:t>UI</a:t>
+            </a:r>
+          </a:p>
+          <a:p>
+            <a:r>
+              <a:rPr lang="en-US" sz="1900" dirty="0" smtClean="0">
+                <a:solidFill>
+                  <a:schemeClr val="dk1"/>
+                </a:solidFill>
+              </a:rPr>
+              <a:t>Alarming developers of dos attacks</a:t>
+            </a:r>
+            <a:endParaRPr lang="en-US" dirty="0" smtClean="0">
+              <a:solidFill>
+                <a:schemeClr val="dk1"/>
+              </a:solidFill>
+            </a:endParaRPr>
+          </a:p>
+          <a:p>
+            <a:endParaRPr lang="en-US" dirty="0"/>
           </a:p>
         </p:txBody>
       </p:sp>
@@ -10799,6 +10961,247 @@
             <p:ph type="title"/>
           </p:nvPr>
         </p:nvSpPr>
+        <p:spPr/>
+        <p:txBody>
+          <a:bodyPr>
+            <a:normAutofit/>
+          </a:bodyPr>
+          <a:lstStyle/>
+          <a:p>
+            <a:pPr algn="ctr"/>
+            <a:r>
+              <a:rPr lang="en-US" sz="3200" b="1" dirty="0" smtClean="0"/>
+              <a:t>Project’s </a:t>
+            </a:r>
+            <a:r>
+              <a:rPr lang="en-US" sz="3200" b="1" dirty="0"/>
+              <a:t>requirements</a:t>
+            </a:r>
+          </a:p>
+        </p:txBody>
+      </p:sp>
+      <p:sp>
+        <p:nvSpPr>
+          <p:cNvPr id="3" name="Content Placeholder 2"/>
+          <p:cNvSpPr>
+            <a:spLocks noGrp="1"/>
+          </p:cNvSpPr>
+          <p:nvPr>
+            <p:ph idx="1"/>
+          </p:nvPr>
+        </p:nvSpPr>
+        <p:spPr>
+          <a:xfrm>
+            <a:off x="2589212" y="2133600"/>
+            <a:ext cx="8915400" cy="4315326"/>
+          </a:xfrm>
+        </p:spPr>
+        <p:txBody>
+          <a:bodyPr>
+            <a:normAutofit/>
+          </a:bodyPr>
+          <a:lstStyle/>
+          <a:p>
+            <a:r>
+              <a:rPr lang="en-US" sz="1900" dirty="0" smtClean="0">
+                <a:solidFill>
+                  <a:schemeClr val="dk1"/>
+                </a:solidFill>
+              </a:rPr>
+              <a:t>Rolled </a:t>
+            </a:r>
+            <a:r>
+              <a:rPr lang="en-US" sz="1900" dirty="0">
+                <a:solidFill>
+                  <a:schemeClr val="dk1"/>
+                </a:solidFill>
+              </a:rPr>
+              <a:t>based sign in</a:t>
+            </a:r>
+          </a:p>
+          <a:p>
+            <a:r>
+              <a:rPr lang="en-US" sz="1900" dirty="0">
+                <a:solidFill>
+                  <a:schemeClr val="dk1"/>
+                </a:solidFill>
+              </a:rPr>
+              <a:t>Dropping packets based on </a:t>
+            </a:r>
+            <a:r>
+              <a:rPr lang="en-US" sz="1900" dirty="0" smtClean="0">
+                <a:solidFill>
+                  <a:schemeClr val="dk1"/>
+                </a:solidFill>
+              </a:rPr>
+              <a:t>country</a:t>
+            </a:r>
+          </a:p>
+          <a:p>
+            <a:r>
+              <a:rPr lang="en-US" sz="1900" dirty="0" smtClean="0">
+                <a:solidFill>
+                  <a:schemeClr val="dk1"/>
+                </a:solidFill>
+              </a:rPr>
+              <a:t>Recording real </a:t>
+            </a:r>
+            <a:r>
+              <a:rPr lang="en-US" sz="1900" dirty="0">
+                <a:solidFill>
+                  <a:schemeClr val="dk1"/>
+                </a:solidFill>
+              </a:rPr>
+              <a:t>time </a:t>
+            </a:r>
+            <a:r>
+              <a:rPr lang="en-US" sz="1900" dirty="0" smtClean="0">
+                <a:solidFill>
+                  <a:schemeClr val="dk1"/>
+                </a:solidFill>
+              </a:rPr>
+              <a:t>logs</a:t>
+            </a:r>
+          </a:p>
+          <a:p>
+            <a:r>
+              <a:rPr lang="en-US" sz="1900" dirty="0" smtClean="0">
+                <a:solidFill>
+                  <a:schemeClr val="dk1"/>
+                </a:solidFill>
+              </a:rPr>
+              <a:t>Dynamic blacklisting of </a:t>
+            </a:r>
+            <a:r>
+              <a:rPr lang="en-US" sz="1900" dirty="0" err="1" smtClean="0">
+                <a:solidFill>
+                  <a:schemeClr val="dk1"/>
+                </a:solidFill>
+              </a:rPr>
+              <a:t>ips</a:t>
+            </a:r>
+            <a:endParaRPr lang="en-US" sz="1900" dirty="0" smtClean="0">
+              <a:solidFill>
+                <a:schemeClr val="dk1"/>
+              </a:solidFill>
+            </a:endParaRPr>
+          </a:p>
+          <a:p>
+            <a:r>
+              <a:rPr lang="en-US" sz="1900" dirty="0" smtClean="0">
+                <a:solidFill>
+                  <a:schemeClr val="dk1"/>
+                </a:solidFill>
+              </a:rPr>
+              <a:t>Load-balancing</a:t>
+            </a:r>
+          </a:p>
+          <a:p>
+            <a:r>
+              <a:rPr lang="en-US" sz="1900" dirty="0" smtClean="0">
+                <a:solidFill>
+                  <a:schemeClr val="dk1"/>
+                </a:solidFill>
+              </a:rPr>
+              <a:t>Blacklisting of </a:t>
+            </a:r>
+            <a:r>
+              <a:rPr lang="en-US" sz="1900" dirty="0" err="1" smtClean="0">
+                <a:solidFill>
+                  <a:schemeClr val="dk1"/>
+                </a:solidFill>
+              </a:rPr>
+              <a:t>ips</a:t>
+            </a:r>
+            <a:endParaRPr lang="en-US" sz="1900" dirty="0" smtClean="0">
+              <a:solidFill>
+                <a:schemeClr val="dk1"/>
+              </a:solidFill>
+            </a:endParaRPr>
+          </a:p>
+          <a:p>
+            <a:r>
+              <a:rPr lang="en-US" sz="1900" dirty="0" smtClean="0">
+                <a:solidFill>
+                  <a:schemeClr val="dk1"/>
+                </a:solidFill>
+              </a:rPr>
+              <a:t>DOS detection based on </a:t>
+            </a:r>
+            <a:r>
+              <a:rPr lang="en-US" sz="1900" dirty="0" err="1" smtClean="0">
+                <a:solidFill>
+                  <a:schemeClr val="dk1"/>
+                </a:solidFill>
+              </a:rPr>
+              <a:t>pps</a:t>
+            </a:r>
+            <a:r>
+              <a:rPr lang="en-US" sz="1900" dirty="0" smtClean="0">
+                <a:solidFill>
+                  <a:schemeClr val="dk1"/>
+                </a:solidFill>
+              </a:rPr>
+              <a:t> and number of connections</a:t>
+            </a:r>
+            <a:endParaRPr lang="en-US" sz="1900" dirty="0">
+              <a:solidFill>
+                <a:schemeClr val="dk1"/>
+              </a:solidFill>
+            </a:endParaRPr>
+          </a:p>
+          <a:p>
+            <a:endParaRPr lang="en-US" dirty="0">
+              <a:solidFill>
+                <a:schemeClr val="dk1"/>
+              </a:solidFill>
+            </a:endParaRPr>
+          </a:p>
+          <a:p>
+            <a:endParaRPr lang="en-US" dirty="0"/>
+          </a:p>
+        </p:txBody>
+      </p:sp>
+    </p:spTree>
+    <p:extLst>
+      <p:ext uri="{BB962C8B-B14F-4D97-AF65-F5344CB8AC3E}">
+        <p14:creationId xmlns:p14="http://schemas.microsoft.com/office/powerpoint/2010/main" val="2665961707"/>
+      </p:ext>
+    </p:extLst>
+  </p:cSld>
+  <p:clrMapOvr>
+    <a:masterClrMapping/>
+  </p:clrMapOvr>
+</p:sld>
+</file>
+
+<file path=ppt/slides/slide5.xml><?xml version="1.0" encoding="utf-8"?>
+<p:sld xmlns:a="http://schemas.openxmlformats.org/drawingml/2006/main" xmlns:r="http://schemas.openxmlformats.org/officeDocument/2006/relationships" xmlns:p="http://schemas.openxmlformats.org/presentationml/2006/main">
+  <p:cSld>
+    <p:spTree>
+      <p:nvGrpSpPr>
+        <p:cNvPr id="1" name=""/>
+        <p:cNvGrpSpPr/>
+        <p:nvPr/>
+      </p:nvGrpSpPr>
+      <p:grpSpPr>
+        <a:xfrm>
+          <a:off x="0" y="0"/>
+          <a:ext cx="0" cy="0"/>
+          <a:chOff x="0" y="0"/>
+          <a:chExt cx="0" cy="0"/>
+        </a:xfrm>
+      </p:grpSpPr>
+      <p:sp>
+        <p:nvSpPr>
+          <p:cNvPr id="2" name="Title 1"/>
+          <p:cNvSpPr>
+            <a:spLocks noGrp="1"/>
+          </p:cNvSpPr>
+          <p:nvPr>
+            <p:ph type="title"/>
+          </p:nvPr>
+        </p:nvSpPr>
         <p:spPr>
           <a:xfrm>
             <a:off x="2585110" y="608480"/>
@@ -10816,7 +11219,6 @@
               <a:rPr lang="en-US" sz="3200" b="1" dirty="0"/>
               <a:t>User case since demo 2</a:t>
             </a:r>
-            <a:endParaRPr lang="en-US" sz="3200" b="1" dirty="0"/>
           </a:p>
         </p:txBody>
       </p:sp>
@@ -10841,49 +11243,17 @@
                   <a:schemeClr val="dk1"/>
                 </a:solidFill>
               </a:rPr>
-              <a:t>Dynamically </a:t>
-            </a:r>
+              <a:t>Dynamically managing back ends</a:t>
+            </a:r>
+          </a:p>
+          <a:p>
             <a:r>
               <a:rPr lang="en-US" dirty="0">
                 <a:solidFill>
                   <a:schemeClr val="dk1"/>
                 </a:solidFill>
               </a:rPr>
-              <a:t>managing back </a:t>
-            </a:r>
-            <a:r>
-              <a:rPr lang="en-US" dirty="0">
-                <a:solidFill>
-                  <a:schemeClr val="dk1"/>
-                </a:solidFill>
-              </a:rPr>
-              <a:t>ends</a:t>
-            </a:r>
-          </a:p>
-          <a:p>
-            <a:r>
-              <a:rPr lang="en-US" dirty="0">
-                <a:solidFill>
-                  <a:schemeClr val="dk1"/>
-                </a:solidFill>
-              </a:rPr>
-              <a:t>Dropping </a:t>
-            </a:r>
-            <a:r>
-              <a:rPr lang="en-US" dirty="0">
-                <a:solidFill>
-                  <a:schemeClr val="dk1"/>
-                </a:solidFill>
-              </a:rPr>
-              <a:t>packets based on </a:t>
-            </a:r>
-            <a:r>
-              <a:rPr lang="en-US" dirty="0">
-                <a:solidFill>
-                  <a:schemeClr val="dk1"/>
-                </a:solidFill>
-              </a:rPr>
-              <a:t>country</a:t>
+              <a:t>Dropping packets based on country</a:t>
             </a:r>
           </a:p>
           <a:p>
@@ -10896,12 +11266,30 @@
               <a:t>Load </a:t>
             </a:r>
             <a:r>
-              <a:rPr lang="en-US" dirty="0">
+              <a:rPr lang="en-US" dirty="0" smtClean="0">
                 <a:solidFill>
                   <a:schemeClr val="dk1"/>
                 </a:solidFill>
               </a:rPr>
               <a:t>balancing</a:t>
+            </a:r>
+          </a:p>
+          <a:p>
+            <a:r>
+              <a:rPr lang="en-US" dirty="0">
+                <a:solidFill>
+                  <a:schemeClr val="dk1"/>
+                </a:solidFill>
+              </a:rPr>
+              <a:t>Direct Server </a:t>
+            </a:r>
+            <a:r>
+              <a:rPr lang="en-US" dirty="0" smtClean="0">
+                <a:solidFill>
+                  <a:schemeClr val="dk1"/>
+                </a:solidFill>
+              </a:rPr>
+              <a:t>Return</a:t>
             </a:r>
             <a:endParaRPr lang="en-US" dirty="0">
               <a:solidFill>
@@ -10911,18 +11299,21 @@
           </a:p>
           <a:p>
             <a:r>
+              <a:rPr lang="en-US" dirty="0" smtClean="0">
+                <a:solidFill>
+                  <a:schemeClr val="dk1"/>
+                </a:solidFill>
+              </a:rPr>
+              <a:t>Recording real </a:t>
+            </a:r>
+            <a:r>
               <a:rPr lang="en-US" dirty="0">
                 <a:solidFill>
                   <a:schemeClr val="dk1"/>
                 </a:solidFill>
               </a:rPr>
-              <a:t>Making  real time logs</a:t>
-            </a:r>
-            <a:endParaRPr lang="en-US" dirty="0">
-              <a:solidFill>
-                <a:schemeClr val="dk1"/>
-              </a:solidFill>
-            </a:endParaRPr>
+              <a:t>time logs</a:t>
+            </a:r>
           </a:p>
           <a:p>
             <a:r>
@@ -10931,15 +11322,7 @@
                   <a:schemeClr val="dk1"/>
                 </a:solidFill>
               </a:rPr>
-              <a:t>Metrics </a:t>
-            </a:r>
-            <a:r>
-              <a:rPr lang="en-US" dirty="0">
-                <a:solidFill>
-                  <a:schemeClr val="dk1"/>
-                </a:solidFill>
-              </a:rPr>
-              <a:t>with </a:t>
+              <a:t>Metrics with </a:t>
             </a:r>
             <a:r>
               <a:rPr lang="en-US" dirty="0" err="1">
@@ -10983,7 +11366,172 @@
 </p:sld>
 </file>
 
-<file path=ppt/slides/slide5.xml><?xml version="1.0" encoding="utf-8"?>
+<file path=ppt/slides/slide6.xml><?xml version="1.0" encoding="utf-8"?>
+<p:sld xmlns:a="http://schemas.openxmlformats.org/drawingml/2006/main" xmlns:r="http://schemas.openxmlformats.org/officeDocument/2006/relationships" xmlns:p="http://schemas.openxmlformats.org/presentationml/2006/main">
+  <p:cSld>
+    <p:spTree>
+      <p:nvGrpSpPr>
+        <p:cNvPr id="1" name=""/>
+        <p:cNvGrpSpPr/>
+        <p:nvPr/>
+      </p:nvGrpSpPr>
+      <p:grpSpPr>
+        <a:xfrm>
+          <a:off x="0" y="0"/>
+          <a:ext cx="0" cy="0"/>
+          <a:chOff x="0" y="0"/>
+          <a:chExt cx="0" cy="0"/>
+        </a:xfrm>
+      </p:grpSpPr>
+      <p:sp>
+        <p:nvSpPr>
+          <p:cNvPr id="2" name="Title 1"/>
+          <p:cNvSpPr>
+            <a:spLocks noGrp="1"/>
+          </p:cNvSpPr>
+          <p:nvPr>
+            <p:ph type="title"/>
+          </p:nvPr>
+        </p:nvSpPr>
+        <p:spPr/>
+        <p:txBody>
+          <a:bodyPr/>
+          <a:lstStyle/>
+          <a:p>
+            <a:r>
+              <a:rPr lang="en-US" smtClean="0"/>
+              <a:t>Requirements left</a:t>
+            </a:r>
+            <a:endParaRPr lang="en-US"/>
+          </a:p>
+        </p:txBody>
+      </p:sp>
+      <p:sp>
+        <p:nvSpPr>
+          <p:cNvPr id="3" name="Content Placeholder 2"/>
+          <p:cNvSpPr>
+            <a:spLocks noGrp="1"/>
+          </p:cNvSpPr>
+          <p:nvPr>
+            <p:ph idx="1"/>
+          </p:nvPr>
+        </p:nvSpPr>
+        <p:spPr/>
+        <p:txBody>
+          <a:bodyPr/>
+          <a:lstStyle/>
+          <a:p>
+            <a:r>
+              <a:rPr lang="en-US" dirty="0">
+                <a:solidFill>
+                  <a:schemeClr val="dk1"/>
+                </a:solidFill>
+              </a:rPr>
+              <a:t>Multiple load-balancing </a:t>
+            </a:r>
+            <a:r>
+              <a:rPr lang="en-US" dirty="0" smtClean="0">
+                <a:solidFill>
+                  <a:schemeClr val="dk1"/>
+                </a:solidFill>
+              </a:rPr>
+              <a:t>algorithms</a:t>
+            </a:r>
+          </a:p>
+          <a:p>
+            <a:r>
+              <a:rPr lang="en-US" dirty="0">
+                <a:solidFill>
+                  <a:schemeClr val="dk1"/>
+                </a:solidFill>
+              </a:rPr>
+              <a:t>Allow </a:t>
+            </a:r>
+            <a:r>
+              <a:rPr lang="en-US" dirty="0" err="1">
+                <a:solidFill>
+                  <a:schemeClr val="dk1"/>
+                </a:solidFill>
+              </a:rPr>
+              <a:t>ip</a:t>
+            </a:r>
+            <a:r>
+              <a:rPr lang="en-US" dirty="0">
+                <a:solidFill>
+                  <a:schemeClr val="dk1"/>
+                </a:solidFill>
+              </a:rPr>
+              <a:t> after a timeout period</a:t>
+            </a:r>
+          </a:p>
+          <a:p>
+            <a:r>
+              <a:rPr lang="en-US" dirty="0">
+                <a:solidFill>
+                  <a:schemeClr val="dk1"/>
+                </a:solidFill>
+              </a:rPr>
+              <a:t>DOS detection based </a:t>
+            </a:r>
+            <a:r>
+              <a:rPr lang="en-US" dirty="0" smtClean="0">
+                <a:solidFill>
+                  <a:schemeClr val="dk1"/>
+                </a:solidFill>
+              </a:rPr>
+              <a:t>on number </a:t>
+            </a:r>
+            <a:r>
+              <a:rPr lang="en-US" dirty="0">
+                <a:solidFill>
+                  <a:schemeClr val="dk1"/>
+                </a:solidFill>
+              </a:rPr>
+              <a:t>of connections</a:t>
+            </a:r>
+          </a:p>
+          <a:p>
+            <a:r>
+              <a:rPr lang="en-US" dirty="0">
+                <a:solidFill>
+                  <a:schemeClr val="dk1"/>
+                </a:solidFill>
+              </a:rPr>
+              <a:t>Alarming developers of dos </a:t>
+            </a:r>
+            <a:r>
+              <a:rPr lang="en-US" dirty="0" smtClean="0">
+                <a:solidFill>
+                  <a:schemeClr val="dk1"/>
+                </a:solidFill>
+              </a:rPr>
+              <a:t>attacks</a:t>
+            </a:r>
+            <a:endParaRPr lang="en-US" dirty="0">
+              <a:solidFill>
+                <a:schemeClr val="dk1"/>
+              </a:solidFill>
+            </a:endParaRPr>
+          </a:p>
+          <a:p>
+            <a:endParaRPr lang="en-US" dirty="0"/>
+          </a:p>
+        </p:txBody>
+      </p:sp>
+    </p:spTree>
+    <p:extLst>
+      <p:ext uri="{BB962C8B-B14F-4D97-AF65-F5344CB8AC3E}">
+        <p14:creationId xmlns:p14="http://schemas.microsoft.com/office/powerpoint/2010/main" val="3081534271"/>
+      </p:ext>
+    </p:extLst>
+  </p:cSld>
+  <p:clrMapOvr>
+    <a:masterClrMapping/>
+  </p:clrMapOvr>
+</p:sld>
+</file>
+
+<file path=ppt/slides/slide7.xml><?xml version="1.0" encoding="utf-8"?>
 <p:sld xmlns:a="http://schemas.openxmlformats.org/drawingml/2006/main" xmlns:r="http://schemas.openxmlformats.org/officeDocument/2006/relationships" xmlns:p="http://schemas.openxmlformats.org/presentationml/2006/main">
   <p:cSld>
     <p:spTree>
@@ -11280,7 +11828,7 @@
   <a:extraClrSchemeLst/>
   <a:extLst>
     <a:ext uri="{05A4C25C-085E-4340-85A3-A5531E510DB2}">
-      <thm15:themeFamily xmlns:thm15="http://schemas.microsoft.com/office/thememl/2012/main" xmlns="" name="Wisp" id="{7CB32D59-10C0-40DD-B7BD-2E94284A981C}" vid="{24B1A44C-C006-48B2-A4D7-E5549B3D8CD4}"/>
+      <thm15:themeFamily xmlns="" xmlns:thm15="http://schemas.microsoft.com/office/thememl/2012/main" name="Wisp" id="{7CB32D59-10C0-40DD-B7BD-2E94284A981C}" vid="{24B1A44C-C006-48B2-A4D7-E5549B3D8CD4}"/>
     </a:ext>
   </a:extLst>
 </a:theme>

--- a/SRS/SlideShow3.pptx
+++ b/SRS/SlideShow3.pptx
@@ -12,6 +12,9 @@
     <p:sldId id="263" r:id="rId6"/>
     <p:sldId id="265" r:id="rId7"/>
     <p:sldId id="260" r:id="rId8"/>
+    <p:sldId id="266" r:id="rId9"/>
+    <p:sldId id="267" r:id="rId10"/>
+    <p:sldId id="268" r:id="rId11"/>
   </p:sldIdLst>
   <p:sldSz cx="12192000" cy="6858000"/>
   <p:notesSz cx="6858000" cy="9144000"/>
@@ -112,7 +115,7 @@
   </p:defaultTextStyle>
   <p:extLst>
     <p:ext uri="{EFAFB233-063F-42B5-8137-9DF3F51BA10A}">
-      <p15:sldGuideLst xmlns="" xmlns:p15="http://schemas.microsoft.com/office/powerpoint/2012/main">
+      <p15:sldGuideLst xmlns:p15="http://schemas.microsoft.com/office/powerpoint/2012/main">
         <p15:guide id="1" orient="horz" pos="2160">
           <p15:clr>
             <a:srgbClr val="A4A3A4"/>
@@ -317,7 +320,7 @@
           <a:p>
             <a:fld id="{030CC8C2-31CE-435F-A416-A5DD09A07E33}" type="datetimeFigureOut">
               <a:rPr lang="en-ZA" smtClean="0"/>
-              <a:t>2019/07/12</a:t>
+              <a:t>2019/07/19</a:t>
             </a:fld>
             <a:endParaRPr lang="en-ZA"/>
           </a:p>
@@ -655,7 +658,7 @@
           <a:p>
             <a:fld id="{030CC8C2-31CE-435F-A416-A5DD09A07E33}" type="datetimeFigureOut">
               <a:rPr lang="en-ZA" smtClean="0"/>
-              <a:t>2019/07/12</a:t>
+              <a:t>2019/07/19</a:t>
             </a:fld>
             <a:endParaRPr lang="en-ZA"/>
           </a:p>
@@ -1056,7 +1059,7 @@
           <a:p>
             <a:fld id="{030CC8C2-31CE-435F-A416-A5DD09A07E33}" type="datetimeFigureOut">
               <a:rPr lang="en-ZA" smtClean="0"/>
-              <a:t>2019/07/12</a:t>
+              <a:t>2019/07/19</a:t>
             </a:fld>
             <a:endParaRPr lang="en-ZA"/>
           </a:p>
@@ -1392,7 +1395,7 @@
           <a:p>
             <a:fld id="{030CC8C2-31CE-435F-A416-A5DD09A07E33}" type="datetimeFigureOut">
               <a:rPr lang="en-ZA" smtClean="0"/>
-              <a:t>2019/07/12</a:t>
+              <a:t>2019/07/19</a:t>
             </a:fld>
             <a:endParaRPr lang="en-ZA"/>
           </a:p>
@@ -1712,7 +1715,7 @@
           <a:p>
             <a:fld id="{030CC8C2-31CE-435F-A416-A5DD09A07E33}" type="datetimeFigureOut">
               <a:rPr lang="en-ZA" smtClean="0"/>
-              <a:t>2019/07/12</a:t>
+              <a:t>2019/07/19</a:t>
             </a:fld>
             <a:endParaRPr lang="en-ZA"/>
           </a:p>
@@ -2108,7 +2111,7 @@
           <a:p>
             <a:fld id="{030CC8C2-31CE-435F-A416-A5DD09A07E33}" type="datetimeFigureOut">
               <a:rPr lang="en-ZA" smtClean="0"/>
-              <a:t>2019/07/12</a:t>
+              <a:t>2019/07/19</a:t>
             </a:fld>
             <a:endParaRPr lang="en-ZA"/>
           </a:p>
@@ -2365,7 +2368,7 @@
           <a:p>
             <a:fld id="{030CC8C2-31CE-435F-A416-A5DD09A07E33}" type="datetimeFigureOut">
               <a:rPr lang="en-ZA" smtClean="0"/>
-              <a:t>2019/07/12</a:t>
+              <a:t>2019/07/19</a:t>
             </a:fld>
             <a:endParaRPr lang="en-ZA"/>
           </a:p>
@@ -2627,7 +2630,7 @@
           <a:p>
             <a:fld id="{030CC8C2-31CE-435F-A416-A5DD09A07E33}" type="datetimeFigureOut">
               <a:rPr lang="en-ZA" smtClean="0"/>
-              <a:t>2019/07/12</a:t>
+              <a:t>2019/07/19</a:t>
             </a:fld>
             <a:endParaRPr lang="en-ZA"/>
           </a:p>
@@ -2889,7 +2892,7 @@
           <a:p>
             <a:fld id="{030CC8C2-31CE-435F-A416-A5DD09A07E33}" type="datetimeFigureOut">
               <a:rPr lang="en-ZA" smtClean="0"/>
-              <a:t>2019/07/12</a:t>
+              <a:t>2019/07/19</a:t>
             </a:fld>
             <a:endParaRPr lang="en-ZA"/>
           </a:p>
@@ -3218,7 +3221,7 @@
           <a:p>
             <a:fld id="{030CC8C2-31CE-435F-A416-A5DD09A07E33}" type="datetimeFigureOut">
               <a:rPr lang="en-ZA" smtClean="0"/>
-              <a:t>2019/07/12</a:t>
+              <a:t>2019/07/19</a:t>
             </a:fld>
             <a:endParaRPr lang="en-ZA"/>
           </a:p>
@@ -3541,7 +3544,7 @@
           <a:p>
             <a:fld id="{030CC8C2-31CE-435F-A416-A5DD09A07E33}" type="datetimeFigureOut">
               <a:rPr lang="en-ZA" smtClean="0"/>
-              <a:t>2019/07/12</a:t>
+              <a:t>2019/07/19</a:t>
             </a:fld>
             <a:endParaRPr lang="en-ZA"/>
           </a:p>
@@ -3998,7 +4001,7 @@
           <a:p>
             <a:fld id="{030CC8C2-31CE-435F-A416-A5DD09A07E33}" type="datetimeFigureOut">
               <a:rPr lang="en-ZA" smtClean="0"/>
-              <a:t>2019/07/12</a:t>
+              <a:t>2019/07/19</a:t>
             </a:fld>
             <a:endParaRPr lang="en-ZA"/>
           </a:p>
@@ -4203,7 +4206,7 @@
           <a:p>
             <a:fld id="{030CC8C2-31CE-435F-A416-A5DD09A07E33}" type="datetimeFigureOut">
               <a:rPr lang="en-ZA" smtClean="0"/>
-              <a:t>2019/07/12</a:t>
+              <a:t>2019/07/19</a:t>
             </a:fld>
             <a:endParaRPr lang="en-ZA"/>
           </a:p>
@@ -4380,7 +4383,7 @@
           <a:p>
             <a:fld id="{030CC8C2-31CE-435F-A416-A5DD09A07E33}" type="datetimeFigureOut">
               <a:rPr lang="en-ZA" smtClean="0"/>
-              <a:t>2019/07/12</a:t>
+              <a:t>2019/07/19</a:t>
             </a:fld>
             <a:endParaRPr lang="en-ZA"/>
           </a:p>
@@ -4713,7 +4716,7 @@
           <a:p>
             <a:fld id="{030CC8C2-31CE-435F-A416-A5DD09A07E33}" type="datetimeFigureOut">
               <a:rPr lang="en-ZA" smtClean="0"/>
-              <a:t>2019/07/12</a:t>
+              <a:t>2019/07/19</a:t>
             </a:fld>
             <a:endParaRPr lang="en-ZA"/>
           </a:p>
@@ -5058,7 +5061,7 @@
           <a:p>
             <a:fld id="{030CC8C2-31CE-435F-A416-A5DD09A07E33}" type="datetimeFigureOut">
               <a:rPr lang="en-ZA" smtClean="0"/>
-              <a:t>2019/07/12</a:t>
+              <a:t>2019/07/19</a:t>
             </a:fld>
             <a:endParaRPr lang="en-ZA"/>
           </a:p>
@@ -7175,7 +7178,7 @@
           <a:p>
             <a:fld id="{030CC8C2-31CE-435F-A416-A5DD09A07E33}" type="datetimeFigureOut">
               <a:rPr lang="en-ZA" smtClean="0"/>
-              <a:t>2019/07/12</a:t>
+              <a:t>2019/07/19</a:t>
             </a:fld>
             <a:endParaRPr lang="en-ZA"/>
           </a:p>
@@ -7724,10 +7727,10 @@
           <p:cNvPr id="8" name="Rectangle 7">
             <a:extLst>
               <a:ext uri="{FF2B5EF4-FFF2-40B4-BE49-F238E27FC236}">
-                <a16:creationId xmlns="" xmlns:a16="http://schemas.microsoft.com/office/drawing/2014/main" id="{F81819F9-8CAC-4A6C-8F06-0482027F9736}"/>
+                <a16:creationId xmlns:a16="http://schemas.microsoft.com/office/drawing/2014/main" id="{F81819F9-8CAC-4A6C-8F06-0482027F9736}"/>
               </a:ext>
               <a:ext uri="{C183D7F6-B498-43B3-948B-1728B52AA6E4}">
-                <adec:decorative xmlns="" xmlns:adec="http://schemas.microsoft.com/office/drawing/2017/decorative" val="1"/>
+                <adec:decorative xmlns:adec="http://schemas.microsoft.com/office/drawing/2017/decorative" val="1"/>
               </a:ext>
             </a:extLst>
           </p:cNvPr>
@@ -7737,7 +7740,7 @@
           <p:nvPr>
             <p:extLst>
               <p:ext uri="{386F3935-93C4-4BCD-93E2-E3B085C9AB24}">
-                <p16:designElem xmlns="" xmlns:p16="http://schemas.microsoft.com/office/powerpoint/2015/main" val="1"/>
+                <p16:designElem xmlns:p16="http://schemas.microsoft.com/office/powerpoint/2015/main" val="1"/>
               </p:ext>
             </p:extLst>
           </p:nvPr>
@@ -7784,7 +7787,7 @@
           <p:cNvPr id="2" name="Title 1">
             <a:extLst>
               <a:ext uri="{FF2B5EF4-FFF2-40B4-BE49-F238E27FC236}">
-                <a16:creationId xmlns="" xmlns:a16="http://schemas.microsoft.com/office/drawing/2014/main" id="{ACCA312D-3828-4024-9CA0-545EE469B88F}"/>
+                <a16:creationId xmlns:a16="http://schemas.microsoft.com/office/drawing/2014/main" id="{ACCA312D-3828-4024-9CA0-545EE469B88F}"/>
               </a:ext>
             </a:extLst>
           </p:cNvPr>
@@ -7839,13 +7842,6 @@
               </a:rPr>
               <a:t>nites</a:t>
             </a:r>
-            <a:r>
-              <a:rPr lang="en-ZA" sz="5000" dirty="0">
-                <a:latin typeface="Times New Roman" panose="02020603050405020304" pitchFamily="18" charset="0"/>
-                <a:cs typeface="Times New Roman" panose="02020603050405020304" pitchFamily="18" charset="0"/>
-              </a:rPr>
-              <a:t/>
-            </a:r>
             <a:br>
               <a:rPr lang="en-ZA" sz="5000" dirty="0">
                 <a:latin typeface="Times New Roman" panose="02020603050405020304" pitchFamily="18" charset="0"/>
@@ -7871,7 +7867,7 @@
           <p:cNvPr id="3" name="Subtitle 2">
             <a:extLst>
               <a:ext uri="{FF2B5EF4-FFF2-40B4-BE49-F238E27FC236}">
-                <a16:creationId xmlns="" xmlns:a16="http://schemas.microsoft.com/office/drawing/2014/main" id="{C7503EA1-3526-455A-926A-3FC10C2110C2}"/>
+                <a16:creationId xmlns:a16="http://schemas.microsoft.com/office/drawing/2014/main" id="{C7503EA1-3526-455A-926A-3FC10C2110C2}"/>
               </a:ext>
             </a:extLst>
           </p:cNvPr>
@@ -7890,16 +7886,23 @@
         </p:spPr>
         <p:txBody>
           <a:bodyPr>
-            <a:normAutofit/>
+            <a:normAutofit fontScale="92500"/>
           </a:bodyPr>
           <a:lstStyle/>
           <a:p>
+            <a:r>
+              <a:rPr lang="en-ZA">
+                <a:latin typeface="Times New Roman" panose="02020603050405020304" pitchFamily="18" charset="0"/>
+                <a:cs typeface="Times New Roman" panose="02020603050405020304" pitchFamily="18" charset="0"/>
+              </a:rPr>
+              <a:t>The Third </a:t>
+            </a:r>
             <a:r>
               <a:rPr lang="en-ZA" dirty="0">
                 <a:latin typeface="Times New Roman" panose="02020603050405020304" pitchFamily="18" charset="0"/>
                 <a:cs typeface="Times New Roman" panose="02020603050405020304" pitchFamily="18" charset="0"/>
               </a:rPr>
-              <a:t>The First Demo</a:t>
+              <a:t>Demo</a:t>
             </a:r>
           </a:p>
         </p:txBody>
@@ -7909,10 +7912,10 @@
           <p:cNvPr id="10" name="Rectangle 9">
             <a:extLst>
               <a:ext uri="{FF2B5EF4-FFF2-40B4-BE49-F238E27FC236}">
-                <a16:creationId xmlns="" xmlns:a16="http://schemas.microsoft.com/office/drawing/2014/main" id="{4A98CC08-AEC2-4E8F-8F52-0F5C6372DB4F}"/>
+                <a16:creationId xmlns:a16="http://schemas.microsoft.com/office/drawing/2014/main" id="{4A98CC08-AEC2-4E8F-8F52-0F5C6372DB4F}"/>
               </a:ext>
               <a:ext uri="{C183D7F6-B498-43B3-948B-1728B52AA6E4}">
-                <adec:decorative xmlns="" xmlns:adec="http://schemas.microsoft.com/office/drawing/2017/decorative" val="1"/>
+                <adec:decorative xmlns:adec="http://schemas.microsoft.com/office/drawing/2017/decorative" val="1"/>
               </a:ext>
             </a:extLst>
           </p:cNvPr>
@@ -7922,7 +7925,7 @@
           <p:nvPr>
             <p:extLst>
               <p:ext uri="{386F3935-93C4-4BCD-93E2-E3B085C9AB24}">
-                <p16:designElem xmlns="" xmlns:p16="http://schemas.microsoft.com/office/powerpoint/2015/main" val="1"/>
+                <p16:designElem xmlns:p16="http://schemas.microsoft.com/office/powerpoint/2015/main" val="1"/>
               </p:ext>
             </p:extLst>
           </p:nvPr>
@@ -7972,10 +7975,10 @@
           <p:cNvPr id="12" name="Group 11">
             <a:extLst>
               <a:ext uri="{FF2B5EF4-FFF2-40B4-BE49-F238E27FC236}">
-                <a16:creationId xmlns="" xmlns:a16="http://schemas.microsoft.com/office/drawing/2014/main" id="{5D1545E6-EB3C-4478-A661-A2CA963F129C}"/>
+                <a16:creationId xmlns:a16="http://schemas.microsoft.com/office/drawing/2014/main" id="{5D1545E6-EB3C-4478-A661-A2CA963F129C}"/>
               </a:ext>
               <a:ext uri="{C183D7F6-B498-43B3-948B-1728B52AA6E4}">
-                <adec:decorative xmlns="" xmlns:adec="http://schemas.microsoft.com/office/drawing/2017/decorative" val="1"/>
+                <adec:decorative xmlns:adec="http://schemas.microsoft.com/office/drawing/2017/decorative" val="1"/>
               </a:ext>
             </a:extLst>
           </p:cNvPr>
@@ -7985,7 +7988,7 @@
           <p:nvPr>
             <p:extLst>
               <p:ext uri="{386F3935-93C4-4BCD-93E2-E3B085C9AB24}">
-                <p16:designElem xmlns="" xmlns:p16="http://schemas.microsoft.com/office/powerpoint/2015/main" val="1"/>
+                <p16:designElem xmlns:p16="http://schemas.microsoft.com/office/powerpoint/2015/main" val="1"/>
               </p:ext>
             </p:extLst>
           </p:nvPr>
@@ -8010,10 +8013,10 @@
             <p:cNvPr id="13" name="Freeform 11">
               <a:extLst>
                 <a:ext uri="{FF2B5EF4-FFF2-40B4-BE49-F238E27FC236}">
-                  <a16:creationId xmlns="" xmlns:a16="http://schemas.microsoft.com/office/drawing/2014/main" id="{B2E5B960-0C5D-4F77-8E9F-9F3D883D83C5}"/>
+                  <a16:creationId xmlns:a16="http://schemas.microsoft.com/office/drawing/2014/main" id="{B2E5B960-0C5D-4F77-8E9F-9F3D883D83C5}"/>
                 </a:ext>
                 <a:ext uri="{C183D7F6-B498-43B3-948B-1728B52AA6E4}">
-                  <adec:decorative xmlns="" xmlns:adec="http://schemas.microsoft.com/office/drawing/2017/decorative" val="1"/>
+                  <adec:decorative xmlns:adec="http://schemas.microsoft.com/office/drawing/2017/decorative" val="1"/>
                 </a:ext>
               </a:extLst>
             </p:cNvPr>
@@ -8021,7 +8024,7 @@
             <p:nvPr>
               <p:extLst>
                 <p:ext uri="{386F3935-93C4-4BCD-93E2-E3B085C9AB24}">
-                  <p16:designElem xmlns="" xmlns:p16="http://schemas.microsoft.com/office/powerpoint/2015/main" val="1"/>
+                  <p16:designElem xmlns:p16="http://schemas.microsoft.com/office/powerpoint/2015/main" val="1"/>
                 </p:ext>
               </p:extLst>
             </p:nvPr>
@@ -8082,10 +8085,10 @@
             <p:cNvPr id="14" name="Freeform 12">
               <a:extLst>
                 <a:ext uri="{FF2B5EF4-FFF2-40B4-BE49-F238E27FC236}">
-                  <a16:creationId xmlns="" xmlns:a16="http://schemas.microsoft.com/office/drawing/2014/main" id="{258E44FC-92AD-43A0-BB05-DB268C82D8B2}"/>
+                  <a16:creationId xmlns:a16="http://schemas.microsoft.com/office/drawing/2014/main" id="{258E44FC-92AD-43A0-BB05-DB268C82D8B2}"/>
                 </a:ext>
                 <a:ext uri="{C183D7F6-B498-43B3-948B-1728B52AA6E4}">
-                  <adec:decorative xmlns="" xmlns:adec="http://schemas.microsoft.com/office/drawing/2017/decorative" val="1"/>
+                  <adec:decorative xmlns:adec="http://schemas.microsoft.com/office/drawing/2017/decorative" val="1"/>
                 </a:ext>
               </a:extLst>
             </p:cNvPr>
@@ -8093,7 +8096,7 @@
             <p:nvPr>
               <p:extLst>
                 <p:ext uri="{386F3935-93C4-4BCD-93E2-E3B085C9AB24}">
-                  <p16:designElem xmlns="" xmlns:p16="http://schemas.microsoft.com/office/powerpoint/2015/main" val="1"/>
+                  <p16:designElem xmlns:p16="http://schemas.microsoft.com/office/powerpoint/2015/main" val="1"/>
                 </p:ext>
               </p:extLst>
             </p:nvPr>
@@ -8159,10 +8162,10 @@
             <p:cNvPr id="15" name="Freeform 13">
               <a:extLst>
                 <a:ext uri="{FF2B5EF4-FFF2-40B4-BE49-F238E27FC236}">
-                  <a16:creationId xmlns="" xmlns:a16="http://schemas.microsoft.com/office/drawing/2014/main" id="{C63D3083-A56C-4199-8DE0-63C8BE9EDFE9}"/>
+                  <a16:creationId xmlns:a16="http://schemas.microsoft.com/office/drawing/2014/main" id="{C63D3083-A56C-4199-8DE0-63C8BE9EDFE9}"/>
                 </a:ext>
                 <a:ext uri="{C183D7F6-B498-43B3-948B-1728B52AA6E4}">
-                  <adec:decorative xmlns="" xmlns:adec="http://schemas.microsoft.com/office/drawing/2017/decorative" val="1"/>
+                  <adec:decorative xmlns:adec="http://schemas.microsoft.com/office/drawing/2017/decorative" val="1"/>
                 </a:ext>
               </a:extLst>
             </p:cNvPr>
@@ -8170,7 +8173,7 @@
             <p:nvPr>
               <p:extLst>
                 <p:ext uri="{386F3935-93C4-4BCD-93E2-E3B085C9AB24}">
-                  <p16:designElem xmlns="" xmlns:p16="http://schemas.microsoft.com/office/powerpoint/2015/main" val="1"/>
+                  <p16:designElem xmlns:p16="http://schemas.microsoft.com/office/powerpoint/2015/main" val="1"/>
                 </p:ext>
               </p:extLst>
             </p:nvPr>
@@ -8241,10 +8244,10 @@
             <p:cNvPr id="16" name="Freeform 14">
               <a:extLst>
                 <a:ext uri="{FF2B5EF4-FFF2-40B4-BE49-F238E27FC236}">
-                  <a16:creationId xmlns="" xmlns:a16="http://schemas.microsoft.com/office/drawing/2014/main" id="{C7CD3581-635D-438F-A64F-68404E7AE0B8}"/>
+                  <a16:creationId xmlns:a16="http://schemas.microsoft.com/office/drawing/2014/main" id="{C7CD3581-635D-438F-A64F-68404E7AE0B8}"/>
                 </a:ext>
                 <a:ext uri="{C183D7F6-B498-43B3-948B-1728B52AA6E4}">
-                  <adec:decorative xmlns="" xmlns:adec="http://schemas.microsoft.com/office/drawing/2017/decorative" val="1"/>
+                  <adec:decorative xmlns:adec="http://schemas.microsoft.com/office/drawing/2017/decorative" val="1"/>
                 </a:ext>
               </a:extLst>
             </p:cNvPr>
@@ -8252,7 +8255,7 @@
             <p:nvPr>
               <p:extLst>
                 <p:ext uri="{386F3935-93C4-4BCD-93E2-E3B085C9AB24}">
-                  <p16:designElem xmlns="" xmlns:p16="http://schemas.microsoft.com/office/powerpoint/2015/main" val="1"/>
+                  <p16:designElem xmlns:p16="http://schemas.microsoft.com/office/powerpoint/2015/main" val="1"/>
                 </p:ext>
               </p:extLst>
             </p:nvPr>
@@ -8303,10 +8306,10 @@
             <p:cNvPr id="17" name="Freeform 15">
               <a:extLst>
                 <a:ext uri="{FF2B5EF4-FFF2-40B4-BE49-F238E27FC236}">
-                  <a16:creationId xmlns="" xmlns:a16="http://schemas.microsoft.com/office/drawing/2014/main" id="{AD6904C0-211C-41A2-BDB8-3B07C90BBB4C}"/>
+                  <a16:creationId xmlns:a16="http://schemas.microsoft.com/office/drawing/2014/main" id="{AD6904C0-211C-41A2-BDB8-3B07C90BBB4C}"/>
                 </a:ext>
                 <a:ext uri="{C183D7F6-B498-43B3-948B-1728B52AA6E4}">
-                  <adec:decorative xmlns="" xmlns:adec="http://schemas.microsoft.com/office/drawing/2017/decorative" val="1"/>
+                  <adec:decorative xmlns:adec="http://schemas.microsoft.com/office/drawing/2017/decorative" val="1"/>
                 </a:ext>
               </a:extLst>
             </p:cNvPr>
@@ -8314,7 +8317,7 @@
             <p:nvPr>
               <p:extLst>
                 <p:ext uri="{386F3935-93C4-4BCD-93E2-E3B085C9AB24}">
-                  <p16:designElem xmlns="" xmlns:p16="http://schemas.microsoft.com/office/powerpoint/2015/main" val="1"/>
+                  <p16:designElem xmlns:p16="http://schemas.microsoft.com/office/powerpoint/2015/main" val="1"/>
                 </p:ext>
               </p:extLst>
             </p:nvPr>
@@ -8400,10 +8403,10 @@
             <p:cNvPr id="18" name="Freeform 16">
               <a:extLst>
                 <a:ext uri="{FF2B5EF4-FFF2-40B4-BE49-F238E27FC236}">
-                  <a16:creationId xmlns="" xmlns:a16="http://schemas.microsoft.com/office/drawing/2014/main" id="{B0837DA6-CAF9-4E78-A39E-6358EDE2B108}"/>
+                  <a16:creationId xmlns:a16="http://schemas.microsoft.com/office/drawing/2014/main" id="{B0837DA6-CAF9-4E78-A39E-6358EDE2B108}"/>
                 </a:ext>
                 <a:ext uri="{C183D7F6-B498-43B3-948B-1728B52AA6E4}">
-                  <adec:decorative xmlns="" xmlns:adec="http://schemas.microsoft.com/office/drawing/2017/decorative" val="1"/>
+                  <adec:decorative xmlns:adec="http://schemas.microsoft.com/office/drawing/2017/decorative" val="1"/>
                 </a:ext>
               </a:extLst>
             </p:cNvPr>
@@ -8411,7 +8414,7 @@
             <p:nvPr>
               <p:extLst>
                 <p:ext uri="{386F3935-93C4-4BCD-93E2-E3B085C9AB24}">
-                  <p16:designElem xmlns="" xmlns:p16="http://schemas.microsoft.com/office/powerpoint/2015/main" val="1"/>
+                  <p16:designElem xmlns:p16="http://schemas.microsoft.com/office/powerpoint/2015/main" val="1"/>
                 </p:ext>
               </p:extLst>
             </p:nvPr>
@@ -8492,10 +8495,10 @@
             <p:cNvPr id="19" name="Freeform 17">
               <a:extLst>
                 <a:ext uri="{FF2B5EF4-FFF2-40B4-BE49-F238E27FC236}">
-                  <a16:creationId xmlns="" xmlns:a16="http://schemas.microsoft.com/office/drawing/2014/main" id="{0A99DD7D-3AB3-471E-842F-8AFEA09D07E4}"/>
+                  <a16:creationId xmlns:a16="http://schemas.microsoft.com/office/drawing/2014/main" id="{0A99DD7D-3AB3-471E-842F-8AFEA09D07E4}"/>
                 </a:ext>
                 <a:ext uri="{C183D7F6-B498-43B3-948B-1728B52AA6E4}">
-                  <adec:decorative xmlns="" xmlns:adec="http://schemas.microsoft.com/office/drawing/2017/decorative" val="1"/>
+                  <adec:decorative xmlns:adec="http://schemas.microsoft.com/office/drawing/2017/decorative" val="1"/>
                 </a:ext>
               </a:extLst>
             </p:cNvPr>
@@ -8503,7 +8506,7 @@
             <p:nvPr>
               <p:extLst>
                 <p:ext uri="{386F3935-93C4-4BCD-93E2-E3B085C9AB24}">
-                  <p16:designElem xmlns="" xmlns:p16="http://schemas.microsoft.com/office/powerpoint/2015/main" val="1"/>
+                  <p16:designElem xmlns:p16="http://schemas.microsoft.com/office/powerpoint/2015/main" val="1"/>
                 </p:ext>
               </p:extLst>
             </p:nvPr>
@@ -8564,10 +8567,10 @@
             <p:cNvPr id="20" name="Freeform 18">
               <a:extLst>
                 <a:ext uri="{FF2B5EF4-FFF2-40B4-BE49-F238E27FC236}">
-                  <a16:creationId xmlns="" xmlns:a16="http://schemas.microsoft.com/office/drawing/2014/main" id="{9C70B0D4-92FE-478F-86BD-93BA2C4DFCDC}"/>
+                  <a16:creationId xmlns:a16="http://schemas.microsoft.com/office/drawing/2014/main" id="{9C70B0D4-92FE-478F-86BD-93BA2C4DFCDC}"/>
                 </a:ext>
                 <a:ext uri="{C183D7F6-B498-43B3-948B-1728B52AA6E4}">
-                  <adec:decorative xmlns="" xmlns:adec="http://schemas.microsoft.com/office/drawing/2017/decorative" val="1"/>
+                  <adec:decorative xmlns:adec="http://schemas.microsoft.com/office/drawing/2017/decorative" val="1"/>
                 </a:ext>
               </a:extLst>
             </p:cNvPr>
@@ -8575,7 +8578,7 @@
             <p:nvPr>
               <p:extLst>
                 <p:ext uri="{386F3935-93C4-4BCD-93E2-E3B085C9AB24}">
-                  <p16:designElem xmlns="" xmlns:p16="http://schemas.microsoft.com/office/powerpoint/2015/main" val="1"/>
+                  <p16:designElem xmlns:p16="http://schemas.microsoft.com/office/powerpoint/2015/main" val="1"/>
                 </p:ext>
               </p:extLst>
             </p:nvPr>
@@ -8656,10 +8659,10 @@
             <p:cNvPr id="21" name="Freeform 19">
               <a:extLst>
                 <a:ext uri="{FF2B5EF4-FFF2-40B4-BE49-F238E27FC236}">
-                  <a16:creationId xmlns="" xmlns:a16="http://schemas.microsoft.com/office/drawing/2014/main" id="{C9156BE6-11D4-4696-9E3F-C325BFAC8196}"/>
+                  <a16:creationId xmlns:a16="http://schemas.microsoft.com/office/drawing/2014/main" id="{C9156BE6-11D4-4696-9E3F-C325BFAC8196}"/>
                 </a:ext>
                 <a:ext uri="{C183D7F6-B498-43B3-948B-1728B52AA6E4}">
-                  <adec:decorative xmlns="" xmlns:adec="http://schemas.microsoft.com/office/drawing/2017/decorative" val="1"/>
+                  <adec:decorative xmlns:adec="http://schemas.microsoft.com/office/drawing/2017/decorative" val="1"/>
                 </a:ext>
               </a:extLst>
             </p:cNvPr>
@@ -8667,7 +8670,7 @@
             <p:nvPr>
               <p:extLst>
                 <p:ext uri="{386F3935-93C4-4BCD-93E2-E3B085C9AB24}">
-                  <p16:designElem xmlns="" xmlns:p16="http://schemas.microsoft.com/office/powerpoint/2015/main" val="1"/>
+                  <p16:designElem xmlns:p16="http://schemas.microsoft.com/office/powerpoint/2015/main" val="1"/>
                 </p:ext>
               </p:extLst>
             </p:nvPr>
@@ -8783,10 +8786,10 @@
             <p:cNvPr id="22" name="Freeform 20">
               <a:extLst>
                 <a:ext uri="{FF2B5EF4-FFF2-40B4-BE49-F238E27FC236}">
-                  <a16:creationId xmlns="" xmlns:a16="http://schemas.microsoft.com/office/drawing/2014/main" id="{4E667226-1D20-4A9D-BBE3-AC17EA436F05}"/>
+                  <a16:creationId xmlns:a16="http://schemas.microsoft.com/office/drawing/2014/main" id="{4E667226-1D20-4A9D-BBE3-AC17EA436F05}"/>
                 </a:ext>
                 <a:ext uri="{C183D7F6-B498-43B3-948B-1728B52AA6E4}">
-                  <adec:decorative xmlns="" xmlns:adec="http://schemas.microsoft.com/office/drawing/2017/decorative" val="1"/>
+                  <adec:decorative xmlns:adec="http://schemas.microsoft.com/office/drawing/2017/decorative" val="1"/>
                 </a:ext>
               </a:extLst>
             </p:cNvPr>
@@ -8794,7 +8797,7 @@
             <p:nvPr>
               <p:extLst>
                 <p:ext uri="{386F3935-93C4-4BCD-93E2-E3B085C9AB24}">
-                  <p16:designElem xmlns="" xmlns:p16="http://schemas.microsoft.com/office/powerpoint/2015/main" val="1"/>
+                  <p16:designElem xmlns:p16="http://schemas.microsoft.com/office/powerpoint/2015/main" val="1"/>
                 </p:ext>
               </p:extLst>
             </p:nvPr>
@@ -8845,10 +8848,10 @@
             <p:cNvPr id="23" name="Freeform 21">
               <a:extLst>
                 <a:ext uri="{FF2B5EF4-FFF2-40B4-BE49-F238E27FC236}">
-                  <a16:creationId xmlns="" xmlns:a16="http://schemas.microsoft.com/office/drawing/2014/main" id="{2F87E3B6-5202-4434-9B26-42B46774F327}"/>
+                  <a16:creationId xmlns:a16="http://schemas.microsoft.com/office/drawing/2014/main" id="{2F87E3B6-5202-4434-9B26-42B46774F327}"/>
                 </a:ext>
                 <a:ext uri="{C183D7F6-B498-43B3-948B-1728B52AA6E4}">
-                  <adec:decorative xmlns="" xmlns:adec="http://schemas.microsoft.com/office/drawing/2017/decorative" val="1"/>
+                  <adec:decorative xmlns:adec="http://schemas.microsoft.com/office/drawing/2017/decorative" val="1"/>
                 </a:ext>
               </a:extLst>
             </p:cNvPr>
@@ -8856,7 +8859,7 @@
             <p:nvPr>
               <p:extLst>
                 <p:ext uri="{386F3935-93C4-4BCD-93E2-E3B085C9AB24}">
-                  <p16:designElem xmlns="" xmlns:p16="http://schemas.microsoft.com/office/powerpoint/2015/main" val="1"/>
+                  <p16:designElem xmlns:p16="http://schemas.microsoft.com/office/powerpoint/2015/main" val="1"/>
                 </p:ext>
               </p:extLst>
             </p:nvPr>
@@ -8917,10 +8920,10 @@
             <p:cNvPr id="24" name="Freeform 22">
               <a:extLst>
                 <a:ext uri="{FF2B5EF4-FFF2-40B4-BE49-F238E27FC236}">
-                  <a16:creationId xmlns="" xmlns:a16="http://schemas.microsoft.com/office/drawing/2014/main" id="{AEA5E85F-F1F4-40E4-A62C-95324F674929}"/>
+                  <a16:creationId xmlns:a16="http://schemas.microsoft.com/office/drawing/2014/main" id="{AEA5E85F-F1F4-40E4-A62C-95324F674929}"/>
                 </a:ext>
                 <a:ext uri="{C183D7F6-B498-43B3-948B-1728B52AA6E4}">
-                  <adec:decorative xmlns="" xmlns:adec="http://schemas.microsoft.com/office/drawing/2017/decorative" val="1"/>
+                  <adec:decorative xmlns:adec="http://schemas.microsoft.com/office/drawing/2017/decorative" val="1"/>
                 </a:ext>
               </a:extLst>
             </p:cNvPr>
@@ -8928,7 +8931,7 @@
             <p:nvPr>
               <p:extLst>
                 <p:ext uri="{386F3935-93C4-4BCD-93E2-E3B085C9AB24}">
-                  <p16:designElem xmlns="" xmlns:p16="http://schemas.microsoft.com/office/powerpoint/2015/main" val="1"/>
+                  <p16:designElem xmlns:p16="http://schemas.microsoft.com/office/powerpoint/2015/main" val="1"/>
                 </p:ext>
               </p:extLst>
             </p:nvPr>
@@ -9000,10 +9003,10 @@
           <p:cNvPr id="26" name="Group 25">
             <a:extLst>
               <a:ext uri="{FF2B5EF4-FFF2-40B4-BE49-F238E27FC236}">
-                <a16:creationId xmlns="" xmlns:a16="http://schemas.microsoft.com/office/drawing/2014/main" id="{40A75861-F6C5-44A9-B161-B03701CBDE0C}"/>
+                <a16:creationId xmlns:a16="http://schemas.microsoft.com/office/drawing/2014/main" id="{40A75861-F6C5-44A9-B161-B03701CBDE0C}"/>
               </a:ext>
               <a:ext uri="{C183D7F6-B498-43B3-948B-1728B52AA6E4}">
-                <adec:decorative xmlns="" xmlns:adec="http://schemas.microsoft.com/office/drawing/2017/decorative" val="1"/>
+                <adec:decorative xmlns:adec="http://schemas.microsoft.com/office/drawing/2017/decorative" val="1"/>
               </a:ext>
             </a:extLst>
           </p:cNvPr>
@@ -9013,7 +9016,7 @@
           <p:nvPr>
             <p:extLst>
               <p:ext uri="{386F3935-93C4-4BCD-93E2-E3B085C9AB24}">
-                <p16:designElem xmlns="" xmlns:p16="http://schemas.microsoft.com/office/powerpoint/2015/main" val="1"/>
+                <p16:designElem xmlns:p16="http://schemas.microsoft.com/office/powerpoint/2015/main" val="1"/>
               </p:ext>
             </p:extLst>
           </p:nvPr>
@@ -9037,10 +9040,10 @@
             <p:cNvPr id="27" name="Freeform 27">
               <a:extLst>
                 <a:ext uri="{FF2B5EF4-FFF2-40B4-BE49-F238E27FC236}">
-                  <a16:creationId xmlns="" xmlns:a16="http://schemas.microsoft.com/office/drawing/2014/main" id="{72EE642D-4F69-47C0-99BA-CE435035735F}"/>
+                  <a16:creationId xmlns:a16="http://schemas.microsoft.com/office/drawing/2014/main" id="{72EE642D-4F69-47C0-99BA-CE435035735F}"/>
                 </a:ext>
                 <a:ext uri="{C183D7F6-B498-43B3-948B-1728B52AA6E4}">
-                  <adec:decorative xmlns="" xmlns:adec="http://schemas.microsoft.com/office/drawing/2017/decorative" val="1"/>
+                  <adec:decorative xmlns:adec="http://schemas.microsoft.com/office/drawing/2017/decorative" val="1"/>
                 </a:ext>
               </a:extLst>
             </p:cNvPr>
@@ -9048,7 +9051,7 @@
             <p:nvPr>
               <p:extLst>
                 <p:ext uri="{386F3935-93C4-4BCD-93E2-E3B085C9AB24}">
-                  <p16:designElem xmlns="" xmlns:p16="http://schemas.microsoft.com/office/powerpoint/2015/main" val="1"/>
+                  <p16:designElem xmlns:p16="http://schemas.microsoft.com/office/powerpoint/2015/main" val="1"/>
                 </p:ext>
               </p:extLst>
             </p:nvPr>
@@ -9154,10 +9157,10 @@
             <p:cNvPr id="28" name="Freeform 28">
               <a:extLst>
                 <a:ext uri="{FF2B5EF4-FFF2-40B4-BE49-F238E27FC236}">
-                  <a16:creationId xmlns="" xmlns:a16="http://schemas.microsoft.com/office/drawing/2014/main" id="{26178CE4-DA2D-46EA-AB8D-341C5AC563D6}"/>
+                  <a16:creationId xmlns:a16="http://schemas.microsoft.com/office/drawing/2014/main" id="{26178CE4-DA2D-46EA-AB8D-341C5AC563D6}"/>
                 </a:ext>
                 <a:ext uri="{C183D7F6-B498-43B3-948B-1728B52AA6E4}">
-                  <adec:decorative xmlns="" xmlns:adec="http://schemas.microsoft.com/office/drawing/2017/decorative" val="1"/>
+                  <adec:decorative xmlns:adec="http://schemas.microsoft.com/office/drawing/2017/decorative" val="1"/>
                 </a:ext>
               </a:extLst>
             </p:cNvPr>
@@ -9165,7 +9168,7 @@
             <p:nvPr>
               <p:extLst>
                 <p:ext uri="{386F3935-93C4-4BCD-93E2-E3B085C9AB24}">
-                  <p16:designElem xmlns="" xmlns:p16="http://schemas.microsoft.com/office/powerpoint/2015/main" val="1"/>
+                  <p16:designElem xmlns:p16="http://schemas.microsoft.com/office/powerpoint/2015/main" val="1"/>
                 </p:ext>
               </p:extLst>
             </p:nvPr>
@@ -9236,10 +9239,10 @@
             <p:cNvPr id="29" name="Freeform 29">
               <a:extLst>
                 <a:ext uri="{FF2B5EF4-FFF2-40B4-BE49-F238E27FC236}">
-                  <a16:creationId xmlns="" xmlns:a16="http://schemas.microsoft.com/office/drawing/2014/main" id="{698E9F53-8381-4FA5-A510-846925D242CF}"/>
+                  <a16:creationId xmlns:a16="http://schemas.microsoft.com/office/drawing/2014/main" id="{698E9F53-8381-4FA5-A510-846925D242CF}"/>
                 </a:ext>
                 <a:ext uri="{C183D7F6-B498-43B3-948B-1728B52AA6E4}">
-                  <adec:decorative xmlns="" xmlns:adec="http://schemas.microsoft.com/office/drawing/2017/decorative" val="1"/>
+                  <adec:decorative xmlns:adec="http://schemas.microsoft.com/office/drawing/2017/decorative" val="1"/>
                 </a:ext>
               </a:extLst>
             </p:cNvPr>
@@ -9247,7 +9250,7 @@
             <p:nvPr>
               <p:extLst>
                 <p:ext uri="{386F3935-93C4-4BCD-93E2-E3B085C9AB24}">
-                  <p16:designElem xmlns="" xmlns:p16="http://schemas.microsoft.com/office/powerpoint/2015/main" val="1"/>
+                  <p16:designElem xmlns:p16="http://schemas.microsoft.com/office/powerpoint/2015/main" val="1"/>
                 </p:ext>
               </p:extLst>
             </p:nvPr>
@@ -9318,10 +9321,10 @@
             <p:cNvPr id="30" name="Freeform 30">
               <a:extLst>
                 <a:ext uri="{FF2B5EF4-FFF2-40B4-BE49-F238E27FC236}">
-                  <a16:creationId xmlns="" xmlns:a16="http://schemas.microsoft.com/office/drawing/2014/main" id="{B13CE284-F21E-411B-BB8E-9C03B853CE44}"/>
+                  <a16:creationId xmlns:a16="http://schemas.microsoft.com/office/drawing/2014/main" id="{B13CE284-F21E-411B-BB8E-9C03B853CE44}"/>
                 </a:ext>
                 <a:ext uri="{C183D7F6-B498-43B3-948B-1728B52AA6E4}">
-                  <adec:decorative xmlns="" xmlns:adec="http://schemas.microsoft.com/office/drawing/2017/decorative" val="1"/>
+                  <adec:decorative xmlns:adec="http://schemas.microsoft.com/office/drawing/2017/decorative" val="1"/>
                 </a:ext>
               </a:extLst>
             </p:cNvPr>
@@ -9329,7 +9332,7 @@
             <p:nvPr>
               <p:extLst>
                 <p:ext uri="{386F3935-93C4-4BCD-93E2-E3B085C9AB24}">
-                  <p16:designElem xmlns="" xmlns:p16="http://schemas.microsoft.com/office/powerpoint/2015/main" val="1"/>
+                  <p16:designElem xmlns:p16="http://schemas.microsoft.com/office/powerpoint/2015/main" val="1"/>
                 </p:ext>
               </p:extLst>
             </p:nvPr>
@@ -9415,10 +9418,10 @@
             <p:cNvPr id="31" name="Freeform 31">
               <a:extLst>
                 <a:ext uri="{FF2B5EF4-FFF2-40B4-BE49-F238E27FC236}">
-                  <a16:creationId xmlns="" xmlns:a16="http://schemas.microsoft.com/office/drawing/2014/main" id="{23DF4578-4703-437C-A797-2A2D0CEE5F45}"/>
+                  <a16:creationId xmlns:a16="http://schemas.microsoft.com/office/drawing/2014/main" id="{23DF4578-4703-437C-A797-2A2D0CEE5F45}"/>
                 </a:ext>
                 <a:ext uri="{C183D7F6-B498-43B3-948B-1728B52AA6E4}">
-                  <adec:decorative xmlns="" xmlns:adec="http://schemas.microsoft.com/office/drawing/2017/decorative" val="1"/>
+                  <adec:decorative xmlns:adec="http://schemas.microsoft.com/office/drawing/2017/decorative" val="1"/>
                 </a:ext>
               </a:extLst>
             </p:cNvPr>
@@ -9426,7 +9429,7 @@
             <p:nvPr>
               <p:extLst>
                 <p:ext uri="{386F3935-93C4-4BCD-93E2-E3B085C9AB24}">
-                  <p16:designElem xmlns="" xmlns:p16="http://schemas.microsoft.com/office/powerpoint/2015/main" val="1"/>
+                  <p16:designElem xmlns:p16="http://schemas.microsoft.com/office/powerpoint/2015/main" val="1"/>
                 </p:ext>
               </p:extLst>
             </p:nvPr>
@@ -9522,10 +9525,10 @@
             <p:cNvPr id="32" name="Freeform 32">
               <a:extLst>
                 <a:ext uri="{FF2B5EF4-FFF2-40B4-BE49-F238E27FC236}">
-                  <a16:creationId xmlns="" xmlns:a16="http://schemas.microsoft.com/office/drawing/2014/main" id="{F878F330-AF64-4F8F-88FD-A4A408D6D368}"/>
+                  <a16:creationId xmlns:a16="http://schemas.microsoft.com/office/drawing/2014/main" id="{F878F330-AF64-4F8F-88FD-A4A408D6D368}"/>
                 </a:ext>
                 <a:ext uri="{C183D7F6-B498-43B3-948B-1728B52AA6E4}">
-                  <adec:decorative xmlns="" xmlns:adec="http://schemas.microsoft.com/office/drawing/2017/decorative" val="1"/>
+                  <adec:decorative xmlns:adec="http://schemas.microsoft.com/office/drawing/2017/decorative" val="1"/>
                 </a:ext>
               </a:extLst>
             </p:cNvPr>
@@ -9533,7 +9536,7 @@
             <p:nvPr>
               <p:extLst>
                 <p:ext uri="{386F3935-93C4-4BCD-93E2-E3B085C9AB24}">
-                  <p16:designElem xmlns="" xmlns:p16="http://schemas.microsoft.com/office/powerpoint/2015/main" val="1"/>
+                  <p16:designElem xmlns:p16="http://schemas.microsoft.com/office/powerpoint/2015/main" val="1"/>
                 </p:ext>
               </p:extLst>
             </p:nvPr>
@@ -9584,10 +9587,10 @@
             <p:cNvPr id="33" name="Freeform 33">
               <a:extLst>
                 <a:ext uri="{FF2B5EF4-FFF2-40B4-BE49-F238E27FC236}">
-                  <a16:creationId xmlns="" xmlns:a16="http://schemas.microsoft.com/office/drawing/2014/main" id="{AC9B00BF-4FB7-42FA-BBBD-7DB54ED3F061}"/>
+                  <a16:creationId xmlns:a16="http://schemas.microsoft.com/office/drawing/2014/main" id="{AC9B00BF-4FB7-42FA-BBBD-7DB54ED3F061}"/>
                 </a:ext>
                 <a:ext uri="{C183D7F6-B498-43B3-948B-1728B52AA6E4}">
-                  <adec:decorative xmlns="" xmlns:adec="http://schemas.microsoft.com/office/drawing/2017/decorative" val="1"/>
+                  <adec:decorative xmlns:adec="http://schemas.microsoft.com/office/drawing/2017/decorative" val="1"/>
                 </a:ext>
               </a:extLst>
             </p:cNvPr>
@@ -9595,7 +9598,7 @@
             <p:nvPr>
               <p:extLst>
                 <p:ext uri="{386F3935-93C4-4BCD-93E2-E3B085C9AB24}">
-                  <p16:designElem xmlns="" xmlns:p16="http://schemas.microsoft.com/office/powerpoint/2015/main" val="1"/>
+                  <p16:designElem xmlns:p16="http://schemas.microsoft.com/office/powerpoint/2015/main" val="1"/>
                 </p:ext>
               </p:extLst>
             </p:nvPr>
@@ -9661,10 +9664,10 @@
             <p:cNvPr id="34" name="Freeform 34">
               <a:extLst>
                 <a:ext uri="{FF2B5EF4-FFF2-40B4-BE49-F238E27FC236}">
-                  <a16:creationId xmlns="" xmlns:a16="http://schemas.microsoft.com/office/drawing/2014/main" id="{BD3D64CA-2AAD-4609-8DAA-3EAD4609A6B1}"/>
+                  <a16:creationId xmlns:a16="http://schemas.microsoft.com/office/drawing/2014/main" id="{BD3D64CA-2AAD-4609-8DAA-3EAD4609A6B1}"/>
                 </a:ext>
                 <a:ext uri="{C183D7F6-B498-43B3-948B-1728B52AA6E4}">
-                  <adec:decorative xmlns="" xmlns:adec="http://schemas.microsoft.com/office/drawing/2017/decorative" val="1"/>
+                  <adec:decorative xmlns:adec="http://schemas.microsoft.com/office/drawing/2017/decorative" val="1"/>
                 </a:ext>
               </a:extLst>
             </p:cNvPr>
@@ -9672,7 +9675,7 @@
             <p:nvPr>
               <p:extLst>
                 <p:ext uri="{386F3935-93C4-4BCD-93E2-E3B085C9AB24}">
-                  <p16:designElem xmlns="" xmlns:p16="http://schemas.microsoft.com/office/powerpoint/2015/main" val="1"/>
+                  <p16:designElem xmlns:p16="http://schemas.microsoft.com/office/powerpoint/2015/main" val="1"/>
                 </p:ext>
               </p:extLst>
             </p:nvPr>
@@ -9783,10 +9786,10 @@
             <p:cNvPr id="35" name="Freeform 35">
               <a:extLst>
                 <a:ext uri="{FF2B5EF4-FFF2-40B4-BE49-F238E27FC236}">
-                  <a16:creationId xmlns="" xmlns:a16="http://schemas.microsoft.com/office/drawing/2014/main" id="{C669E05A-8550-4E91-B29E-E1912228EC93}"/>
+                  <a16:creationId xmlns:a16="http://schemas.microsoft.com/office/drawing/2014/main" id="{C669E05A-8550-4E91-B29E-E1912228EC93}"/>
                 </a:ext>
                 <a:ext uri="{C183D7F6-B498-43B3-948B-1728B52AA6E4}">
-                  <adec:decorative xmlns="" xmlns:adec="http://schemas.microsoft.com/office/drawing/2017/decorative" val="1"/>
+                  <adec:decorative xmlns:adec="http://schemas.microsoft.com/office/drawing/2017/decorative" val="1"/>
                 </a:ext>
               </a:extLst>
             </p:cNvPr>
@@ -9794,7 +9797,7 @@
             <p:nvPr>
               <p:extLst>
                 <p:ext uri="{386F3935-93C4-4BCD-93E2-E3B085C9AB24}">
-                  <p16:designElem xmlns="" xmlns:p16="http://schemas.microsoft.com/office/powerpoint/2015/main" val="1"/>
+                  <p16:designElem xmlns:p16="http://schemas.microsoft.com/office/powerpoint/2015/main" val="1"/>
                 </p:ext>
               </p:extLst>
             </p:nvPr>
@@ -9845,10 +9848,10 @@
             <p:cNvPr id="36" name="Freeform 36">
               <a:extLst>
                 <a:ext uri="{FF2B5EF4-FFF2-40B4-BE49-F238E27FC236}">
-                  <a16:creationId xmlns="" xmlns:a16="http://schemas.microsoft.com/office/drawing/2014/main" id="{F8C1FD53-1E8F-46CA-BC2D-FCEC4DAE07F6}"/>
+                  <a16:creationId xmlns:a16="http://schemas.microsoft.com/office/drawing/2014/main" id="{F8C1FD53-1E8F-46CA-BC2D-FCEC4DAE07F6}"/>
                 </a:ext>
                 <a:ext uri="{C183D7F6-B498-43B3-948B-1728B52AA6E4}">
-                  <adec:decorative xmlns="" xmlns:adec="http://schemas.microsoft.com/office/drawing/2017/decorative" val="1"/>
+                  <adec:decorative xmlns:adec="http://schemas.microsoft.com/office/drawing/2017/decorative" val="1"/>
                 </a:ext>
               </a:extLst>
             </p:cNvPr>
@@ -9856,7 +9859,7 @@
             <p:nvPr>
               <p:extLst>
                 <p:ext uri="{386F3935-93C4-4BCD-93E2-E3B085C9AB24}">
-                  <p16:designElem xmlns="" xmlns:p16="http://schemas.microsoft.com/office/powerpoint/2015/main" val="1"/>
+                  <p16:designElem xmlns:p16="http://schemas.microsoft.com/office/powerpoint/2015/main" val="1"/>
                 </p:ext>
               </p:extLst>
             </p:nvPr>
@@ -9927,10 +9930,10 @@
             <p:cNvPr id="37" name="Freeform 37">
               <a:extLst>
                 <a:ext uri="{FF2B5EF4-FFF2-40B4-BE49-F238E27FC236}">
-                  <a16:creationId xmlns="" xmlns:a16="http://schemas.microsoft.com/office/drawing/2014/main" id="{CC97A31F-CFDE-4EA3-98F1-13FDD16702E1}"/>
+                  <a16:creationId xmlns:a16="http://schemas.microsoft.com/office/drawing/2014/main" id="{CC97A31F-CFDE-4EA3-98F1-13FDD16702E1}"/>
                 </a:ext>
                 <a:ext uri="{C183D7F6-B498-43B3-948B-1728B52AA6E4}">
-                  <adec:decorative xmlns="" xmlns:adec="http://schemas.microsoft.com/office/drawing/2017/decorative" val="1"/>
+                  <adec:decorative xmlns:adec="http://schemas.microsoft.com/office/drawing/2017/decorative" val="1"/>
                 </a:ext>
               </a:extLst>
             </p:cNvPr>
@@ -9938,7 +9941,7 @@
             <p:nvPr>
               <p:extLst>
                 <p:ext uri="{386F3935-93C4-4BCD-93E2-E3B085C9AB24}">
-                  <p16:designElem xmlns="" xmlns:p16="http://schemas.microsoft.com/office/powerpoint/2015/main" val="1"/>
+                  <p16:designElem xmlns:p16="http://schemas.microsoft.com/office/powerpoint/2015/main" val="1"/>
                 </p:ext>
               </p:extLst>
             </p:nvPr>
@@ -10004,10 +10007,10 @@
             <p:cNvPr id="38" name="Freeform 38">
               <a:extLst>
                 <a:ext uri="{FF2B5EF4-FFF2-40B4-BE49-F238E27FC236}">
-                  <a16:creationId xmlns="" xmlns:a16="http://schemas.microsoft.com/office/drawing/2014/main" id="{9E1540E7-E6C3-4907-B70A-B17568365597}"/>
+                  <a16:creationId xmlns:a16="http://schemas.microsoft.com/office/drawing/2014/main" id="{9E1540E7-E6C3-4907-B70A-B17568365597}"/>
                 </a:ext>
                 <a:ext uri="{C183D7F6-B498-43B3-948B-1728B52AA6E4}">
-                  <adec:decorative xmlns="" xmlns:adec="http://schemas.microsoft.com/office/drawing/2017/decorative" val="1"/>
+                  <adec:decorative xmlns:adec="http://schemas.microsoft.com/office/drawing/2017/decorative" val="1"/>
                 </a:ext>
               </a:extLst>
             </p:cNvPr>
@@ -10015,7 +10018,7 @@
             <p:nvPr>
               <p:extLst>
                 <p:ext uri="{386F3935-93C4-4BCD-93E2-E3B085C9AB24}">
-                  <p16:designElem xmlns="" xmlns:p16="http://schemas.microsoft.com/office/powerpoint/2015/main" val="1"/>
+                  <p16:designElem xmlns:p16="http://schemas.microsoft.com/office/powerpoint/2015/main" val="1"/>
                 </p:ext>
               </p:extLst>
             </p:nvPr>
@@ -10087,10 +10090,10 @@
           <p:cNvPr id="40" name="Freeform 11">
             <a:extLst>
               <a:ext uri="{FF2B5EF4-FFF2-40B4-BE49-F238E27FC236}">
-                <a16:creationId xmlns="" xmlns:a16="http://schemas.microsoft.com/office/drawing/2014/main" id="{1310EFE2-B91D-47E7-B117-C2A802800A7C}"/>
+                <a16:creationId xmlns:a16="http://schemas.microsoft.com/office/drawing/2014/main" id="{1310EFE2-B91D-47E7-B117-C2A802800A7C}"/>
               </a:ext>
               <a:ext uri="{C183D7F6-B498-43B3-948B-1728B52AA6E4}">
-                <adec:decorative xmlns="" xmlns:adec="http://schemas.microsoft.com/office/drawing/2017/decorative" val="1"/>
+                <adec:decorative xmlns:adec="http://schemas.microsoft.com/office/drawing/2017/decorative" val="1"/>
               </a:ext>
             </a:extLst>
           </p:cNvPr>
@@ -10100,7 +10103,7 @@
           <p:nvPr>
             <p:extLst>
               <p:ext uri="{386F3935-93C4-4BCD-93E2-E3B085C9AB24}">
-                <p16:designElem xmlns="" xmlns:p16="http://schemas.microsoft.com/office/powerpoint/2015/main" val="1"/>
+                <p16:designElem xmlns:p16="http://schemas.microsoft.com/office/powerpoint/2015/main" val="1"/>
               </p:ext>
             </p:extLst>
           </p:nvPr>
@@ -10317,6 +10320,119 @@
 </p:sld>
 </file>
 
+<file path=ppt/slides/slide10.xml><?xml version="1.0" encoding="utf-8"?>
+<p:sld xmlns:a="http://schemas.openxmlformats.org/drawingml/2006/main" xmlns:r="http://schemas.openxmlformats.org/officeDocument/2006/relationships" xmlns:p="http://schemas.openxmlformats.org/presentationml/2006/main">
+  <p:cSld>
+    <p:spTree>
+      <p:nvGrpSpPr>
+        <p:cNvPr id="1" name=""/>
+        <p:cNvGrpSpPr/>
+        <p:nvPr/>
+      </p:nvGrpSpPr>
+      <p:grpSpPr>
+        <a:xfrm>
+          <a:off x="0" y="0"/>
+          <a:ext cx="0" cy="0"/>
+          <a:chOff x="0" y="0"/>
+          <a:chExt cx="0" cy="0"/>
+        </a:xfrm>
+      </p:grpSpPr>
+      <p:sp>
+        <p:nvSpPr>
+          <p:cNvPr id="3" name="Text Placeholder 2">
+            <a:extLst>
+              <a:ext uri="{FF2B5EF4-FFF2-40B4-BE49-F238E27FC236}">
+                <a16:creationId xmlns:a16="http://schemas.microsoft.com/office/drawing/2014/main" id="{54AC59B0-8DA2-4721-A975-928CB2C70900}"/>
+              </a:ext>
+            </a:extLst>
+          </p:cNvPr>
+          <p:cNvSpPr>
+            <a:spLocks noGrp="1"/>
+          </p:cNvSpPr>
+          <p:nvPr>
+            <p:ph type="body" idx="1"/>
+          </p:nvPr>
+        </p:nvSpPr>
+        <p:spPr>
+          <a:xfrm>
+            <a:off x="4099632" y="488460"/>
+            <a:ext cx="3992732" cy="576262"/>
+          </a:xfrm>
+        </p:spPr>
+        <p:txBody>
+          <a:bodyPr/>
+          <a:lstStyle/>
+          <a:p>
+            <a:pPr algn="ctr"/>
+            <a:r>
+              <a:rPr lang="en-ZA" sz="3600" dirty="0">
+                <a:solidFill>
+                  <a:schemeClr val="tx1">
+                    <a:lumMod val="85000"/>
+                    <a:lumOff val="15000"/>
+                  </a:schemeClr>
+                </a:solidFill>
+                <a:latin typeface="+mj-lt"/>
+                <a:ea typeface="+mj-ea"/>
+                <a:cs typeface="+mj-cs"/>
+              </a:rPr>
+              <a:t>System Load</a:t>
+            </a:r>
+          </a:p>
+        </p:txBody>
+      </p:sp>
+      <p:pic>
+        <p:nvPicPr>
+          <p:cNvPr id="5" name="Picture 4">
+            <a:extLst>
+              <a:ext uri="{FF2B5EF4-FFF2-40B4-BE49-F238E27FC236}">
+                <a16:creationId xmlns:a16="http://schemas.microsoft.com/office/drawing/2014/main" id="{4A6055EA-67D3-4A54-9CC7-A1D7DFC251A1}"/>
+              </a:ext>
+            </a:extLst>
+          </p:cNvPr>
+          <p:cNvPicPr/>
+          <p:nvPr/>
+        </p:nvPicPr>
+        <p:blipFill>
+          <a:blip r:embed="rId2" cstate="print">
+            <a:extLst>
+              <a:ext uri="{28A0092B-C50C-407E-A947-70E740481C1C}">
+                <a14:useLocalDpi xmlns:a14="http://schemas.microsoft.com/office/drawing/2010/main" val="0"/>
+              </a:ext>
+            </a:extLst>
+          </a:blip>
+          <a:srcRect/>
+          <a:stretch>
+            <a:fillRect/>
+          </a:stretch>
+        </p:blipFill>
+        <p:spPr bwMode="auto">
+          <a:xfrm>
+            <a:off x="1010347" y="1497495"/>
+            <a:ext cx="10171303" cy="5190097"/>
+          </a:xfrm>
+          <a:prstGeom prst="rect">
+            <a:avLst/>
+          </a:prstGeom>
+          <a:noFill/>
+          <a:ln>
+            <a:noFill/>
+          </a:ln>
+        </p:spPr>
+      </p:pic>
+    </p:spTree>
+    <p:extLst>
+      <p:ext uri="{BB962C8B-B14F-4D97-AF65-F5344CB8AC3E}">
+        <p14:creationId xmlns:p14="http://schemas.microsoft.com/office/powerpoint/2010/main" val="2973197018"/>
+      </p:ext>
+    </p:extLst>
+  </p:cSld>
+  <p:clrMapOvr>
+    <a:masterClrMapping/>
+  </p:clrMapOvr>
+</p:sld>
+</file>
+
 <file path=ppt/slides/slide2.xml><?xml version="1.0" encoding="utf-8"?>
 <p:sld xmlns:a="http://schemas.openxmlformats.org/drawingml/2006/main" xmlns:r="http://schemas.openxmlformats.org/officeDocument/2006/relationships" xmlns:p="http://schemas.openxmlformats.org/presentationml/2006/main">
   <p:cSld>
@@ -10389,7 +10505,7 @@
               <a:t> </a:t>
             </a:r>
             <a:r>
-              <a:rPr lang="en-US" dirty="0" err="1" smtClean="0">
+              <a:rPr lang="en-US" dirty="0" err="1">
                 <a:solidFill>
                   <a:schemeClr val="dk1"/>
                 </a:solidFill>
@@ -10402,21 +10518,8 @@
                   <a:schemeClr val="dk1"/>
                 </a:solidFill>
               </a:rPr>
-              <a:t>: </a:t>
-            </a:r>
-            <a:r>
-              <a:rPr lang="en-US" dirty="0" smtClean="0">
-                <a:solidFill>
-                  <a:schemeClr val="dk1"/>
-                </a:solidFill>
-              </a:rPr>
-              <a:t>Metrics, unit testing </a:t>
-            </a:r>
-            <a:endParaRPr lang="en-US" dirty="0">
-              <a:solidFill>
-                <a:schemeClr val="dk1"/>
-              </a:solidFill>
-            </a:endParaRPr>
+              <a:t>: Metrics, unit testing </a:t>
+            </a:r>
           </a:p>
           <a:p>
             <a:r>
@@ -10433,37 +10536,8 @@
                   <a:schemeClr val="dk1"/>
                 </a:solidFill>
               </a:rPr>
-              <a:t> </a:t>
-            </a:r>
-            <a:r>
-              <a:rPr lang="en-US" dirty="0" smtClean="0">
-                <a:solidFill>
-                  <a:schemeClr val="dk1"/>
-                </a:solidFill>
-              </a:rPr>
-              <a:t>Botha: </a:t>
-            </a:r>
-            <a:r>
-              <a:rPr lang="en-US" dirty="0">
-                <a:solidFill>
-                  <a:schemeClr val="dk1"/>
-                </a:solidFill>
-              </a:rPr>
-              <a:t>Load </a:t>
-            </a:r>
-            <a:r>
-              <a:rPr lang="en-US" dirty="0" smtClean="0">
-                <a:solidFill>
-                  <a:schemeClr val="dk1"/>
-                </a:solidFill>
-              </a:rPr>
-              <a:t>balancing, unit testing</a:t>
-            </a:r>
-            <a:endParaRPr lang="en-US" dirty="0">
-              <a:solidFill>
-                <a:schemeClr val="dk1"/>
-              </a:solidFill>
-            </a:endParaRPr>
+              <a:t> Botha: Load balancing, unit testing</a:t>
+            </a:r>
           </a:p>
           <a:p>
             <a:r>
@@ -10475,7 +10549,7 @@
               <a:t>Muhammed </a:t>
             </a:r>
             <a:r>
-              <a:rPr lang="en-US" dirty="0" err="1" smtClean="0">
+              <a:rPr lang="en-US" dirty="0" err="1">
                 <a:solidFill>
                   <a:schemeClr val="dk1"/>
                 </a:solidFill>
@@ -10483,59 +10557,40 @@
               <a:t>Carrim</a:t>
             </a:r>
             <a:r>
-              <a:rPr lang="en-US" dirty="0" smtClean="0">
-                <a:solidFill>
-                  <a:schemeClr val="dk1"/>
-                </a:solidFill>
-              </a:rPr>
-              <a:t>: </a:t>
-            </a:r>
-            <a:r>
               <a:rPr lang="en-US" dirty="0">
                 <a:solidFill>
                   <a:schemeClr val="dk1"/>
                 </a:solidFill>
               </a:rPr>
-              <a:t>Load </a:t>
-            </a:r>
-            <a:r>
-              <a:rPr lang="en-US" dirty="0" smtClean="0">
-                <a:solidFill>
-                  <a:schemeClr val="dk1"/>
-                </a:solidFill>
-              </a:rPr>
-              <a:t>balancing, dynamically </a:t>
-            </a:r>
+              <a:t>: Load balancing, Dynamically managing back ends</a:t>
+            </a:r>
+          </a:p>
+          <a:p>
             <a:r>
               <a:rPr lang="en-US" dirty="0">
                 <a:solidFill>
                   <a:schemeClr val="dk1"/>
                 </a:solidFill>
               </a:rPr>
-              <a:t>managing back </a:t>
-            </a:r>
-            <a:r>
-              <a:rPr lang="en-US" dirty="0" smtClean="0">
+              <a:t>Sisa Khoza: Monitoring, metrics</a:t>
+            </a:r>
+          </a:p>
+          <a:p>
+            <a:r>
+              <a:rPr lang="en-US" dirty="0">
                 <a:solidFill>
                   <a:schemeClr val="dk1"/>
                 </a:solidFill>
               </a:rPr>
-              <a:t>ends</a:t>
-            </a:r>
-            <a:endParaRPr lang="en-US" dirty="0">
-              <a:solidFill>
-                <a:schemeClr val="dk1"/>
-              </a:solidFill>
-            </a:endParaRPr>
-          </a:p>
-          <a:p>
+              <a:t>Christiaan Opperman: Load balancing, user manage interfaces, </a:t>
+            </a:r>
             <a:r>
               <a:rPr lang="en-US" dirty="0" err="1">
                 <a:solidFill>
                   <a:schemeClr val="dk1"/>
                 </a:solidFill>
               </a:rPr>
-              <a:t>Sisa</a:t>
+              <a:t>intergration</a:t>
             </a:r>
             <a:r>
               <a:rPr lang="en-US" dirty="0">
@@ -10543,112 +10598,8 @@
                   <a:schemeClr val="dk1"/>
                 </a:solidFill>
               </a:rPr>
-              <a:t> </a:t>
-            </a:r>
-            <a:r>
-              <a:rPr lang="en-US" dirty="0" err="1" smtClean="0">
-                <a:solidFill>
-                  <a:schemeClr val="dk1"/>
-                </a:solidFill>
-              </a:rPr>
-              <a:t>Khoza</a:t>
-            </a:r>
-            <a:r>
-              <a:rPr lang="en-US" dirty="0">
-                <a:solidFill>
-                  <a:schemeClr val="dk1"/>
-                </a:solidFill>
-              </a:rPr>
-              <a:t>: </a:t>
-            </a:r>
-            <a:r>
-              <a:rPr lang="en-US" dirty="0" smtClean="0">
-                <a:solidFill>
-                  <a:schemeClr val="dk1"/>
-                </a:solidFill>
-              </a:rPr>
-              <a:t>Metrics , making  </a:t>
-            </a:r>
-            <a:r>
-              <a:rPr lang="en-US" dirty="0">
-                <a:solidFill>
-                  <a:schemeClr val="dk1"/>
-                </a:solidFill>
-              </a:rPr>
-              <a:t>real time log</a:t>
-            </a:r>
-            <a:r>
-              <a:rPr lang="en-US" dirty="0" smtClean="0"/>
-              <a:t>s</a:t>
-            </a:r>
-            <a:endParaRPr lang="en-US" dirty="0">
-              <a:solidFill>
-                <a:schemeClr val="dk1"/>
-              </a:solidFill>
-            </a:endParaRPr>
-          </a:p>
-          <a:p>
-            <a:r>
-              <a:rPr lang="en-US" dirty="0">
-                <a:solidFill>
-                  <a:schemeClr val="dk1"/>
-                </a:solidFill>
-              </a:rPr>
-              <a:t>Christiaan </a:t>
-            </a:r>
-            <a:r>
-              <a:rPr lang="en-US" dirty="0" err="1" smtClean="0">
-                <a:solidFill>
-                  <a:schemeClr val="dk1"/>
-                </a:solidFill>
-              </a:rPr>
-              <a:t>Opperman</a:t>
-            </a:r>
-            <a:r>
-              <a:rPr lang="en-US" dirty="0" smtClean="0">
-                <a:solidFill>
-                  <a:schemeClr val="dk1"/>
-                </a:solidFill>
-              </a:rPr>
-              <a:t>: </a:t>
-            </a:r>
-            <a:r>
-              <a:rPr lang="en-US" dirty="0">
-                <a:solidFill>
-                  <a:schemeClr val="dk1"/>
-                </a:solidFill>
-              </a:rPr>
-              <a:t>Load </a:t>
-            </a:r>
-            <a:r>
-              <a:rPr lang="en-US" dirty="0" smtClean="0">
-                <a:solidFill>
-                  <a:schemeClr val="dk1"/>
-                </a:solidFill>
-              </a:rPr>
-              <a:t>balancing, user </a:t>
-            </a:r>
-            <a:r>
-              <a:rPr lang="en-US" dirty="0">
-                <a:solidFill>
-                  <a:schemeClr val="dk1"/>
-                </a:solidFill>
-              </a:rPr>
-              <a:t>manage </a:t>
-            </a:r>
-            <a:r>
-              <a:rPr lang="en-US" dirty="0" smtClean="0">
-                <a:solidFill>
-                  <a:schemeClr val="dk1"/>
-                </a:solidFill>
-              </a:rPr>
-              <a:t>interfaces, intergrade testing</a:t>
-            </a:r>
-            <a:endParaRPr lang="en-US" dirty="0">
-              <a:solidFill>
-                <a:schemeClr val="dk1"/>
-              </a:solidFill>
-            </a:endParaRPr>
+              <a:t> testing</a:t>
+            </a:r>
           </a:p>
           <a:p>
             <a:pPr marL="0" indent="0">
@@ -10723,12 +10674,8 @@
           <a:p>
             <a:pPr algn="ctr"/>
             <a:r>
-              <a:rPr lang="en-US" sz="3200" b="1" dirty="0" smtClean="0"/>
-              <a:t>Project’s </a:t>
-            </a:r>
-            <a:r>
               <a:rPr lang="en-US" sz="3200" b="1" dirty="0"/>
-              <a:t>requirements</a:t>
+              <a:t>Project’s requirements</a:t>
             </a:r>
           </a:p>
         </p:txBody>
@@ -10756,20 +10703,12 @@
           <a:lstStyle/>
           <a:p>
             <a:r>
-              <a:rPr lang="en-US" sz="1900" dirty="0" smtClean="0">
-                <a:solidFill>
-                  <a:schemeClr val="dk1"/>
-                </a:solidFill>
-              </a:rPr>
-              <a:t>Dynamically adding/removing </a:t>
-            </a:r>
-            <a:r>
               <a:rPr lang="en-US" sz="1900" dirty="0">
                 <a:solidFill>
                   <a:schemeClr val="dk1"/>
                 </a:solidFill>
               </a:rPr>
-              <a:t>back-ends</a:t>
+              <a:t>Dynamically adding/removing back-ends</a:t>
             </a:r>
           </a:p>
           <a:p>
@@ -10779,15 +10718,17 @@
                   <a:schemeClr val="dk1"/>
                 </a:solidFill>
               </a:rPr>
-              <a:t>Multiple load-balancing </a:t>
-            </a:r>
+              <a:t>Multiple load-balancing algorithms</a:t>
+            </a:r>
+          </a:p>
+          <a:p>
             <a:r>
               <a:rPr lang="en-US" sz="1900" dirty="0">
                 <a:solidFill>
                   <a:schemeClr val="dk1"/>
                 </a:solidFill>
               </a:rPr>
-              <a:t>algorithms</a:t>
+              <a:t>Direct Server Return</a:t>
             </a:r>
           </a:p>
           <a:p>
@@ -10797,15 +10738,17 @@
                   <a:schemeClr val="dk1"/>
                 </a:solidFill>
               </a:rPr>
-              <a:t>Direct Server </a:t>
-            </a:r>
+              <a:t>Auto drop packets from offending IPs</a:t>
+            </a:r>
+          </a:p>
+          <a:p>
             <a:r>
               <a:rPr lang="en-US" sz="1900" dirty="0">
                 <a:solidFill>
                   <a:schemeClr val="dk1"/>
                 </a:solidFill>
               </a:rPr>
-              <a:t>Return</a:t>
+              <a:t>Allow IP after an exponential timeout period</a:t>
             </a:r>
           </a:p>
           <a:p>
@@ -10815,21 +10758,8 @@
                   <a:schemeClr val="dk1"/>
                 </a:solidFill>
               </a:rPr>
-              <a:t>Auto drop packets from offending </a:t>
-            </a:r>
-            <a:r>
-              <a:rPr lang="en-US" sz="1900" dirty="0" err="1" smtClean="0">
-                <a:solidFill>
-                  <a:schemeClr val="dk1"/>
-                </a:solidFill>
-              </a:rPr>
-              <a:t>ips</a:t>
-            </a:r>
-            <a:endParaRPr lang="en-US" sz="1900" dirty="0">
-              <a:solidFill>
-                <a:schemeClr val="dk1"/>
-              </a:solidFill>
-            </a:endParaRPr>
+              <a:t>Metrics with Prometheus and Grafana</a:t>
+            </a:r>
           </a:p>
           <a:p>
             <a:r>
@@ -10838,79 +10768,19 @@
                   <a:schemeClr val="dk1"/>
                 </a:solidFill>
               </a:rPr>
-              <a:t>Allow </a:t>
-            </a:r>
-            <a:r>
-              <a:rPr lang="en-US" sz="1900" dirty="0" err="1">
-                <a:solidFill>
-                  <a:schemeClr val="dk1"/>
-                </a:solidFill>
-              </a:rPr>
-              <a:t>ip</a:t>
-            </a:r>
+              <a:t>Modern UI</a:t>
+            </a:r>
+          </a:p>
+          <a:p>
             <a:r>
               <a:rPr lang="en-US" sz="1900" dirty="0">
                 <a:solidFill>
                   <a:schemeClr val="dk1"/>
                 </a:solidFill>
               </a:rPr>
-              <a:t> after a timeout </a:t>
-            </a:r>
-            <a:r>
-              <a:rPr lang="en-US" sz="1900" dirty="0">
-                <a:solidFill>
-                  <a:schemeClr val="dk1"/>
-                </a:solidFill>
-              </a:rPr>
-              <a:t>period</a:t>
-            </a:r>
-          </a:p>
-          <a:p>
-            <a:r>
-              <a:rPr lang="en-US" sz="1900" dirty="0">
-                <a:solidFill>
-                  <a:schemeClr val="dk1"/>
-                </a:solidFill>
-              </a:rPr>
-              <a:t>Metrics with </a:t>
-            </a:r>
-            <a:r>
-              <a:rPr lang="en-US" sz="1900" dirty="0" smtClean="0">
-                <a:solidFill>
-                  <a:schemeClr val="dk1"/>
-                </a:solidFill>
-              </a:rPr>
-              <a:t>Prometheus</a:t>
-            </a:r>
-          </a:p>
-          <a:p>
-            <a:r>
-              <a:rPr lang="en-US" sz="1900" dirty="0" smtClean="0">
-                <a:solidFill>
-                  <a:schemeClr val="dk1"/>
-                </a:solidFill>
-              </a:rPr>
-              <a:t>Modern </a:t>
-            </a:r>
-            <a:r>
-              <a:rPr lang="en-US" sz="1900" dirty="0">
-                <a:solidFill>
-                  <a:schemeClr val="dk1"/>
-                </a:solidFill>
-              </a:rPr>
-              <a:t>UI</a:t>
-            </a:r>
-          </a:p>
-          <a:p>
-            <a:r>
-              <a:rPr lang="en-US" sz="1900" dirty="0" smtClean="0">
-                <a:solidFill>
-                  <a:schemeClr val="dk1"/>
-                </a:solidFill>
-              </a:rPr>
               <a:t>Alarming developers of dos attacks</a:t>
             </a:r>
-            <a:endParaRPr lang="en-US" dirty="0" smtClean="0">
+            <a:endParaRPr lang="en-US" dirty="0">
               <a:solidFill>
                 <a:schemeClr val="dk1"/>
               </a:solidFill>
@@ -10970,12 +10840,8 @@
           <a:p>
             <a:pPr algn="ctr"/>
             <a:r>
-              <a:rPr lang="en-US" sz="3200" b="1" dirty="0" smtClean="0"/>
-              <a:t>Project’s </a:t>
-            </a:r>
-            <a:r>
               <a:rPr lang="en-US" sz="3200" b="1" dirty="0"/>
-              <a:t>requirements</a:t>
+              <a:t>Project’s requirements</a:t>
             </a:r>
           </a:p>
         </p:txBody>
@@ -11003,20 +10869,12 @@
           <a:lstStyle/>
           <a:p>
             <a:r>
-              <a:rPr lang="en-US" sz="1900" dirty="0" smtClean="0">
-                <a:solidFill>
-                  <a:schemeClr val="dk1"/>
-                </a:solidFill>
-              </a:rPr>
-              <a:t>Rolled </a:t>
-            </a:r>
-            <a:r>
               <a:rPr lang="en-US" sz="1900" dirty="0">
                 <a:solidFill>
                   <a:schemeClr val="dk1"/>
                 </a:solidFill>
               </a:rPr>
-              <a:t>based sign in</a:t>
+              <a:t>Role based sign in</a:t>
             </a:r>
           </a:p>
           <a:p>
@@ -11026,69 +10884,32 @@
                   <a:schemeClr val="dk1"/>
                 </a:solidFill>
               </a:rPr>
-              <a:t>Dropping packets based on </a:t>
-            </a:r>
-            <a:r>
-              <a:rPr lang="en-US" sz="1900" dirty="0" smtClean="0">
-                <a:solidFill>
-                  <a:schemeClr val="dk1"/>
-                </a:solidFill>
-              </a:rPr>
-              <a:t>country</a:t>
-            </a:r>
-          </a:p>
-          <a:p>
-            <a:r>
-              <a:rPr lang="en-US" sz="1900" dirty="0" smtClean="0">
-                <a:solidFill>
-                  <a:schemeClr val="dk1"/>
-                </a:solidFill>
-              </a:rPr>
-              <a:t>Recording real </a:t>
-            </a:r>
+              <a:t>Dropping packets based on country</a:t>
+            </a:r>
+          </a:p>
+          <a:p>
             <a:r>
               <a:rPr lang="en-US" sz="1900" dirty="0">
                 <a:solidFill>
                   <a:schemeClr val="dk1"/>
                 </a:solidFill>
               </a:rPr>
-              <a:t>time </a:t>
-            </a:r>
-            <a:r>
-              <a:rPr lang="en-US" sz="1900" dirty="0" smtClean="0">
+              <a:t>Recording real time logs</a:t>
+            </a:r>
+          </a:p>
+          <a:p>
+            <a:r>
+              <a:rPr lang="en-US" sz="1900" dirty="0">
                 <a:solidFill>
                   <a:schemeClr val="dk1"/>
                 </a:solidFill>
               </a:rPr>
-              <a:t>logs</a:t>
-            </a:r>
-          </a:p>
-          <a:p>
-            <a:r>
-              <a:rPr lang="en-US" sz="1900" dirty="0" smtClean="0">
-                <a:solidFill>
-                  <a:schemeClr val="dk1"/>
-                </a:solidFill>
-              </a:rPr>
-              <a:t>Dynamic blacklisting of </a:t>
-            </a:r>
-            <a:r>
-              <a:rPr lang="en-US" sz="1900" dirty="0" err="1" smtClean="0">
-                <a:solidFill>
-                  <a:schemeClr val="dk1"/>
-                </a:solidFill>
-              </a:rPr>
-              <a:t>ips</a:t>
-            </a:r>
-            <a:endParaRPr lang="en-US" sz="1900" dirty="0" smtClean="0">
-              <a:solidFill>
-                <a:schemeClr val="dk1"/>
-              </a:solidFill>
-            </a:endParaRPr>
-          </a:p>
-          <a:p>
-            <a:r>
-              <a:rPr lang="en-US" sz="1900" dirty="0" smtClean="0">
+              <a:t>Dynamic blacklisting of IPs</a:t>
+            </a:r>
+          </a:p>
+          <a:p>
+            <a:r>
+              <a:rPr lang="en-US" sz="1900" dirty="0">
                 <a:solidFill>
                   <a:schemeClr val="dk1"/>
                 </a:solidFill>
@@ -11098,38 +10919,25 @@
           </a:p>
           <a:p>
             <a:r>
-              <a:rPr lang="en-US" sz="1900" dirty="0" smtClean="0">
+              <a:rPr lang="en-US" sz="1900" dirty="0">
                 <a:solidFill>
                   <a:schemeClr val="dk1"/>
                 </a:solidFill>
               </a:rPr>
-              <a:t>Blacklisting of </a:t>
-            </a:r>
-            <a:r>
-              <a:rPr lang="en-US" sz="1900" dirty="0" err="1" smtClean="0">
+              <a:t>Blacklisting of IPs</a:t>
+            </a:r>
+          </a:p>
+          <a:p>
+            <a:r>
+              <a:rPr lang="en-US" sz="1900" dirty="0">
                 <a:solidFill>
                   <a:schemeClr val="dk1"/>
                 </a:solidFill>
               </a:rPr>
-              <a:t>ips</a:t>
-            </a:r>
-            <a:endParaRPr lang="en-US" sz="1900" dirty="0" smtClean="0">
-              <a:solidFill>
-                <a:schemeClr val="dk1"/>
-              </a:solidFill>
-            </a:endParaRPr>
-          </a:p>
-          <a:p>
-            <a:r>
-              <a:rPr lang="en-US" sz="1900" dirty="0" smtClean="0">
-                <a:solidFill>
-                  <a:schemeClr val="dk1"/>
-                </a:solidFill>
-              </a:rPr>
-              <a:t>DOS detection based on </a:t>
-            </a:r>
-            <a:r>
-              <a:rPr lang="en-US" sz="1900" dirty="0" err="1" smtClean="0">
+              <a:t>DOS detection based on #</a:t>
+            </a:r>
+            <a:r>
+              <a:rPr lang="en-US" sz="1900" dirty="0" err="1">
                 <a:solidFill>
                   <a:schemeClr val="dk1"/>
                 </a:solidFill>
@@ -11137,18 +10945,13 @@
               <a:t>pps</a:t>
             </a:r>
             <a:r>
-              <a:rPr lang="en-US" sz="1900" dirty="0" smtClean="0">
+              <a:rPr lang="en-US" sz="1900" dirty="0">
                 <a:solidFill>
                   <a:schemeClr val="dk1"/>
                 </a:solidFill>
               </a:rPr>
               <a:t> and number of connections</a:t>
             </a:r>
-            <a:endParaRPr lang="en-US" sz="1900" dirty="0">
-              <a:solidFill>
-                <a:schemeClr val="dk1"/>
-              </a:solidFill>
-            </a:endParaRPr>
           </a:p>
           <a:p>
             <a:endParaRPr lang="en-US" dirty="0">
@@ -11217,7 +11020,7 @@
             <a:pPr algn="ctr"/>
             <a:r>
               <a:rPr lang="en-US" sz="3200" b="1" dirty="0"/>
-              <a:t>User case since demo 2</a:t>
+              <a:t>Use cases since demo 2</a:t>
             </a:r>
           </a:p>
         </p:txBody>
@@ -11263,15 +11066,7 @@
                   <a:schemeClr val="dk1"/>
                 </a:solidFill>
               </a:rPr>
-              <a:t>Load </a:t>
-            </a:r>
-            <a:r>
-              <a:rPr lang="en-US" dirty="0" smtClean="0">
-                <a:solidFill>
-                  <a:schemeClr val="dk1"/>
-                </a:solidFill>
-              </a:rPr>
-              <a:t>balancing</a:t>
+              <a:t>Load balancing</a:t>
             </a:r>
           </a:p>
           <a:p>
@@ -11281,38 +11076,17 @@
                   <a:schemeClr val="dk1"/>
                 </a:solidFill>
               </a:rPr>
-              <a:t>Direct Server </a:t>
-            </a:r>
-            <a:r>
-              <a:rPr lang="en-US" dirty="0" smtClean="0">
-                <a:solidFill>
-                  <a:schemeClr val="dk1"/>
-                </a:solidFill>
-              </a:rPr>
-              <a:t>Return</a:t>
-            </a:r>
-            <a:endParaRPr lang="en-US" dirty="0">
-              <a:solidFill>
-                <a:schemeClr val="dk1"/>
-              </a:solidFill>
-            </a:endParaRPr>
-          </a:p>
-          <a:p>
-            <a:r>
-              <a:rPr lang="en-US" dirty="0" smtClean="0">
-                <a:solidFill>
-                  <a:schemeClr val="dk1"/>
-                </a:solidFill>
-              </a:rPr>
-              <a:t>Recording real </a:t>
-            </a:r>
+              <a:t>Direct Server Return</a:t>
+            </a:r>
+          </a:p>
+          <a:p>
             <a:r>
               <a:rPr lang="en-US" dirty="0">
                 <a:solidFill>
                   <a:schemeClr val="dk1"/>
                 </a:solidFill>
               </a:rPr>
-              <a:t>time logs</a:t>
+              <a:t>Recording real time logs</a:t>
             </a:r>
           </a:p>
           <a:p>
@@ -11322,21 +11096,8 @@
                   <a:schemeClr val="dk1"/>
                 </a:solidFill>
               </a:rPr>
-              <a:t>Metrics with </a:t>
-            </a:r>
-            <a:r>
-              <a:rPr lang="en-US" dirty="0" err="1">
-                <a:solidFill>
-                  <a:schemeClr val="dk1"/>
-                </a:solidFill>
-              </a:rPr>
-              <a:t>prometheus</a:t>
-            </a:r>
-            <a:endParaRPr lang="en-US" dirty="0">
-              <a:solidFill>
-                <a:schemeClr val="dk1"/>
-              </a:solidFill>
-            </a:endParaRPr>
+              <a:t>Metrics with Prometheus</a:t>
+            </a:r>
           </a:p>
           <a:p>
             <a:r>
@@ -11345,7 +11106,7 @@
                   <a:schemeClr val="dk1"/>
                 </a:solidFill>
               </a:rPr>
-              <a:t>Bonus: user manage interfaces</a:t>
+              <a:t>Bonus: User management interfaces</a:t>
             </a:r>
           </a:p>
           <a:p>
@@ -11399,10 +11160,9 @@
           <a:lstStyle/>
           <a:p>
             <a:r>
-              <a:rPr lang="en-US" smtClean="0"/>
+              <a:rPr lang="en-US" dirty="0"/>
               <a:t>Requirements left</a:t>
             </a:r>
-            <a:endParaRPr lang="en-US"/>
           </a:p>
         </p:txBody>
       </p:sp>
@@ -11427,15 +11187,7 @@
                   <a:schemeClr val="dk1"/>
                 </a:solidFill>
               </a:rPr>
-              <a:t>Multiple load-balancing </a:t>
-            </a:r>
-            <a:r>
-              <a:rPr lang="en-US" dirty="0" smtClean="0">
-                <a:solidFill>
-                  <a:schemeClr val="dk1"/>
-                </a:solidFill>
-              </a:rPr>
-              <a:t>algorithms</a:t>
+              <a:t>Multiple load-balancing algorithms</a:t>
             </a:r>
           </a:p>
           <a:p>
@@ -11445,23 +11197,17 @@
                   <a:schemeClr val="dk1"/>
                 </a:solidFill>
               </a:rPr>
-              <a:t>Allow </a:t>
-            </a:r>
-            <a:r>
-              <a:rPr lang="en-US" dirty="0" err="1">
-                <a:solidFill>
-                  <a:schemeClr val="dk1"/>
-                </a:solidFill>
-              </a:rPr>
-              <a:t>ip</a:t>
-            </a:r>
+              <a:t>Allow IP after a timeout period</a:t>
+            </a:r>
+          </a:p>
+          <a:p>
             <a:r>
               <a:rPr lang="en-US" dirty="0">
                 <a:solidFill>
                   <a:schemeClr val="dk1"/>
                 </a:solidFill>
               </a:rPr>
-              <a:t> after a timeout period</a:t>
+              <a:t>DOS detection based on number of connections</a:t>
             </a:r>
           </a:p>
           <a:p>
@@ -11471,47 +11217,8 @@
                   <a:schemeClr val="dk1"/>
                 </a:solidFill>
               </a:rPr>
-              <a:t>DOS detection based </a:t>
-            </a:r>
-            <a:r>
-              <a:rPr lang="en-US" dirty="0" smtClean="0">
-                <a:solidFill>
-                  <a:schemeClr val="dk1"/>
-                </a:solidFill>
-              </a:rPr>
-              <a:t>on number </a:t>
-            </a:r>
-            <a:r>
-              <a:rPr lang="en-US" dirty="0">
-                <a:solidFill>
-                  <a:schemeClr val="dk1"/>
-                </a:solidFill>
-              </a:rPr>
-              <a:t>of connections</a:t>
-            </a:r>
-          </a:p>
-          <a:p>
-            <a:r>
-              <a:rPr lang="en-US" dirty="0">
-                <a:solidFill>
-                  <a:schemeClr val="dk1"/>
-                </a:solidFill>
-              </a:rPr>
-              <a:t>Alarming developers of dos </a:t>
-            </a:r>
-            <a:r>
-              <a:rPr lang="en-US" dirty="0" smtClean="0">
-                <a:solidFill>
-                  <a:schemeClr val="dk1"/>
-                </a:solidFill>
-              </a:rPr>
-              <a:t>attacks</a:t>
-            </a:r>
-            <a:endParaRPr lang="en-US" dirty="0">
-              <a:solidFill>
-                <a:schemeClr val="dk1"/>
-              </a:solidFill>
-            </a:endParaRPr>
+              <a:t>Alarming developers of DoS attacks</a:t>
+            </a:r>
           </a:p>
           <a:p>
             <a:endParaRPr lang="en-US" dirty="0"/>
@@ -11560,7 +11267,7 @@
         </p:nvSpPr>
         <p:spPr>
           <a:xfrm>
-            <a:off x="2484640" y="2621352"/>
+            <a:off x="1640156" y="2788555"/>
             <a:ext cx="8911687" cy="1280890"/>
           </a:xfrm>
         </p:spPr>
@@ -11582,6 +11289,232 @@
     <p:extLst>
       <p:ext uri="{BB962C8B-B14F-4D97-AF65-F5344CB8AC3E}">
         <p14:creationId xmlns:p14="http://schemas.microsoft.com/office/powerpoint/2010/main" val="1875896337"/>
+      </p:ext>
+    </p:extLst>
+  </p:cSld>
+  <p:clrMapOvr>
+    <a:masterClrMapping/>
+  </p:clrMapOvr>
+</p:sld>
+</file>
+
+<file path=ppt/slides/slide8.xml><?xml version="1.0" encoding="utf-8"?>
+<p:sld xmlns:a="http://schemas.openxmlformats.org/drawingml/2006/main" xmlns:r="http://schemas.openxmlformats.org/officeDocument/2006/relationships" xmlns:p="http://schemas.openxmlformats.org/presentationml/2006/main">
+  <p:cSld>
+    <p:spTree>
+      <p:nvGrpSpPr>
+        <p:cNvPr id="1" name=""/>
+        <p:cNvGrpSpPr/>
+        <p:nvPr/>
+      </p:nvGrpSpPr>
+      <p:grpSpPr>
+        <a:xfrm>
+          <a:off x="0" y="0"/>
+          <a:ext cx="0" cy="0"/>
+          <a:chOff x="0" y="0"/>
+          <a:chExt cx="0" cy="0"/>
+        </a:xfrm>
+      </p:grpSpPr>
+      <p:sp>
+        <p:nvSpPr>
+          <p:cNvPr id="3" name="Text Placeholder 2">
+            <a:extLst>
+              <a:ext uri="{FF2B5EF4-FFF2-40B4-BE49-F238E27FC236}">
+                <a16:creationId xmlns:a16="http://schemas.microsoft.com/office/drawing/2014/main" id="{54AC59B0-8DA2-4721-A975-928CB2C70900}"/>
+              </a:ext>
+            </a:extLst>
+          </p:cNvPr>
+          <p:cNvSpPr>
+            <a:spLocks noGrp="1"/>
+          </p:cNvSpPr>
+          <p:nvPr>
+            <p:ph type="body" idx="1"/>
+          </p:nvPr>
+        </p:nvSpPr>
+        <p:spPr>
+          <a:xfrm>
+            <a:off x="4099633" y="488459"/>
+            <a:ext cx="3992732" cy="576262"/>
+          </a:xfrm>
+        </p:spPr>
+        <p:txBody>
+          <a:bodyPr/>
+          <a:lstStyle/>
+          <a:p>
+            <a:pPr algn="ctr"/>
+            <a:r>
+              <a:rPr lang="en-ZA" sz="3600" dirty="0">
+                <a:solidFill>
+                  <a:schemeClr val="tx1">
+                    <a:lumMod val="85000"/>
+                    <a:lumOff val="15000"/>
+                  </a:schemeClr>
+                </a:solidFill>
+                <a:latin typeface="+mj-lt"/>
+                <a:ea typeface="+mj-ea"/>
+                <a:cs typeface="+mj-cs"/>
+              </a:rPr>
+              <a:t>Grafana - Login</a:t>
+            </a:r>
+          </a:p>
+        </p:txBody>
+      </p:sp>
+      <p:pic>
+        <p:nvPicPr>
+          <p:cNvPr id="7" name="Picture 6">
+            <a:extLst>
+              <a:ext uri="{FF2B5EF4-FFF2-40B4-BE49-F238E27FC236}">
+                <a16:creationId xmlns:a16="http://schemas.microsoft.com/office/drawing/2014/main" id="{DDAF780B-8735-40BE-82EC-BB9E57E93800}"/>
+              </a:ext>
+            </a:extLst>
+          </p:cNvPr>
+          <p:cNvPicPr/>
+          <p:nvPr/>
+        </p:nvPicPr>
+        <p:blipFill>
+          <a:blip r:embed="rId2" cstate="print">
+            <a:extLst>
+              <a:ext uri="{28A0092B-C50C-407E-A947-70E740481C1C}">
+                <a14:useLocalDpi xmlns:a14="http://schemas.microsoft.com/office/drawing/2010/main" val="0"/>
+              </a:ext>
+            </a:extLst>
+          </a:blip>
+          <a:srcRect/>
+          <a:stretch>
+            <a:fillRect/>
+          </a:stretch>
+        </p:blipFill>
+        <p:spPr bwMode="auto">
+          <a:xfrm>
+            <a:off x="1146313" y="1413229"/>
+            <a:ext cx="9899373" cy="5168346"/>
+          </a:xfrm>
+          <a:prstGeom prst="rect">
+            <a:avLst/>
+          </a:prstGeom>
+          <a:noFill/>
+          <a:ln>
+            <a:noFill/>
+          </a:ln>
+        </p:spPr>
+      </p:pic>
+    </p:spTree>
+    <p:extLst>
+      <p:ext uri="{BB962C8B-B14F-4D97-AF65-F5344CB8AC3E}">
+        <p14:creationId xmlns:p14="http://schemas.microsoft.com/office/powerpoint/2010/main" val="868707531"/>
+      </p:ext>
+    </p:extLst>
+  </p:cSld>
+  <p:clrMapOvr>
+    <a:masterClrMapping/>
+  </p:clrMapOvr>
+</p:sld>
+</file>
+
+<file path=ppt/slides/slide9.xml><?xml version="1.0" encoding="utf-8"?>
+<p:sld xmlns:a="http://schemas.openxmlformats.org/drawingml/2006/main" xmlns:r="http://schemas.openxmlformats.org/officeDocument/2006/relationships" xmlns:p="http://schemas.openxmlformats.org/presentationml/2006/main">
+  <p:cSld>
+    <p:spTree>
+      <p:nvGrpSpPr>
+        <p:cNvPr id="1" name=""/>
+        <p:cNvGrpSpPr/>
+        <p:nvPr/>
+      </p:nvGrpSpPr>
+      <p:grpSpPr>
+        <a:xfrm>
+          <a:off x="0" y="0"/>
+          <a:ext cx="0" cy="0"/>
+          <a:chOff x="0" y="0"/>
+          <a:chExt cx="0" cy="0"/>
+        </a:xfrm>
+      </p:grpSpPr>
+      <p:sp>
+        <p:nvSpPr>
+          <p:cNvPr id="3" name="Text Placeholder 2">
+            <a:extLst>
+              <a:ext uri="{FF2B5EF4-FFF2-40B4-BE49-F238E27FC236}">
+                <a16:creationId xmlns:a16="http://schemas.microsoft.com/office/drawing/2014/main" id="{54AC59B0-8DA2-4721-A975-928CB2C70900}"/>
+              </a:ext>
+            </a:extLst>
+          </p:cNvPr>
+          <p:cNvSpPr>
+            <a:spLocks noGrp="1"/>
+          </p:cNvSpPr>
+          <p:nvPr>
+            <p:ph type="body" idx="1"/>
+          </p:nvPr>
+        </p:nvSpPr>
+        <p:spPr>
+          <a:xfrm>
+            <a:off x="3911747" y="488461"/>
+            <a:ext cx="4368506" cy="576262"/>
+          </a:xfrm>
+        </p:spPr>
+        <p:txBody>
+          <a:bodyPr/>
+          <a:lstStyle/>
+          <a:p>
+            <a:pPr algn="ctr"/>
+            <a:r>
+              <a:rPr lang="en-ZA" sz="3600" dirty="0">
+                <a:solidFill>
+                  <a:schemeClr val="tx1">
+                    <a:lumMod val="85000"/>
+                    <a:lumOff val="15000"/>
+                  </a:schemeClr>
+                </a:solidFill>
+                <a:latin typeface="+mj-lt"/>
+                <a:ea typeface="+mj-ea"/>
+                <a:cs typeface="+mj-cs"/>
+              </a:rPr>
+              <a:t>Home Dashboard</a:t>
+            </a:r>
+          </a:p>
+        </p:txBody>
+      </p:sp>
+      <p:pic>
+        <p:nvPicPr>
+          <p:cNvPr id="4" name="Picture 3">
+            <a:extLst>
+              <a:ext uri="{FF2B5EF4-FFF2-40B4-BE49-F238E27FC236}">
+                <a16:creationId xmlns:a16="http://schemas.microsoft.com/office/drawing/2014/main" id="{01B5C2EA-26F7-4E21-B1C9-632FE42BEB8B}"/>
+              </a:ext>
+            </a:extLst>
+          </p:cNvPr>
+          <p:cNvPicPr/>
+          <p:nvPr/>
+        </p:nvPicPr>
+        <p:blipFill>
+          <a:blip r:embed="rId2" cstate="print">
+            <a:extLst>
+              <a:ext uri="{28A0092B-C50C-407E-A947-70E740481C1C}">
+                <a14:useLocalDpi xmlns:a14="http://schemas.microsoft.com/office/drawing/2010/main" val="0"/>
+              </a:ext>
+            </a:extLst>
+          </a:blip>
+          <a:srcRect/>
+          <a:stretch>
+            <a:fillRect/>
+          </a:stretch>
+        </p:blipFill>
+        <p:spPr bwMode="auto">
+          <a:xfrm>
+            <a:off x="921026" y="1388800"/>
+            <a:ext cx="10349948" cy="5325296"/>
+          </a:xfrm>
+          <a:prstGeom prst="rect">
+            <a:avLst/>
+          </a:prstGeom>
+          <a:noFill/>
+          <a:ln>
+            <a:noFill/>
+          </a:ln>
+        </p:spPr>
+      </p:pic>
+    </p:spTree>
+    <p:extLst>
+      <p:ext uri="{BB962C8B-B14F-4D97-AF65-F5344CB8AC3E}">
+        <p14:creationId xmlns:p14="http://schemas.microsoft.com/office/powerpoint/2010/main" val="3677929395"/>
       </p:ext>
     </p:extLst>
   </p:cSld>
@@ -11828,7 +11761,7 @@
   <a:extraClrSchemeLst/>
   <a:extLst>
     <a:ext uri="{05A4C25C-085E-4340-85A3-A5531E510DB2}">
-      <thm15:themeFamily xmlns="" xmlns:thm15="http://schemas.microsoft.com/office/thememl/2012/main" name="Wisp" id="{7CB32D59-10C0-40DD-B7BD-2E94284A981C}" vid="{24B1A44C-C006-48B2-A4D7-E5549B3D8CD4}"/>
+      <thm15:themeFamily xmlns:thm15="http://schemas.microsoft.com/office/thememl/2012/main" name="Wisp" id="{7CB32D59-10C0-40DD-B7BD-2E94284A981C}" vid="{24B1A44C-C006-48B2-A4D7-E5549B3D8CD4}"/>
     </a:ext>
   </a:extLst>
 </a:theme>
